--- a/PDC-CleanArchitecture/prairiedev.pptx
+++ b/PDC-CleanArchitecture/prairiedev.pptx
@@ -8962,7 +8962,7 @@
         <p:spPr>
           <a:xfrm>
             <a:off x="2688079" y="4965174"/>
-            <a:ext cx="19001486" cy="1107996"/>
+            <a:ext cx="19001486" cy="2123658"/>
           </a:xfrm>
           <a:prstGeom prst="rect">
             <a:avLst/>
@@ -8996,6 +8996,46 @@
               </a:rPr>
               <a:t>Configurations separate from Domain</a:t>
             </a:r>
+          </a:p>
+          <a:p>
+            <a:pPr marL="1143000" indent="-1143000">
+              <a:buBlip>
+                <a:blip r:embed="rId2">
+                  <a:extLst>
+                    <a:ext uri="{96DAC541-7B7A-43D3-8B79-37D633B846F1}">
+                      <asvg:svgBlip xmlns:asvg="http://schemas.microsoft.com/office/drawing/2016/SVG/main" r:embed="rId3"/>
+                    </a:ext>
+                  </a:extLst>
+                </a:blip>
+              </a:buBlip>
+            </a:pPr>
+            <a:r>
+              <a:rPr lang="en-US" sz="6600" dirty="0">
+                <a:solidFill>
+                  <a:schemeClr val="tx2"/>
+                </a:solidFill>
+                <a:ea typeface="Roboto Light" panose="02000000000000000000" pitchFamily="2" charset="0"/>
+                <a:cs typeface="Roboto Light" panose="02000000000000000000" pitchFamily="2" charset="0"/>
+              </a:rPr>
+              <a:t>Fluent Configuration </a:t>
+            </a:r>
+            <a:r>
+              <a:rPr lang="en-US" sz="6600">
+                <a:solidFill>
+                  <a:schemeClr val="tx2"/>
+                </a:solidFill>
+                <a:ea typeface="Roboto Light" panose="02000000000000000000" pitchFamily="2" charset="0"/>
+                <a:cs typeface="Roboto Light" panose="02000000000000000000" pitchFamily="2" charset="0"/>
+              </a:rPr>
+              <a:t>over Annotations</a:t>
+            </a:r>
+            <a:endParaRPr lang="en-US" sz="6600" dirty="0">
+              <a:solidFill>
+                <a:schemeClr val="tx2"/>
+              </a:solidFill>
+              <a:ea typeface="Roboto Light" panose="02000000000000000000" pitchFamily="2" charset="0"/>
+              <a:cs typeface="Roboto Light" panose="02000000000000000000" pitchFamily="2" charset="0"/>
+            </a:endParaRPr>
           </a:p>
         </p:txBody>
       </p:sp>

--- a/PDC-CleanArchitecture/prairiedev.pptx
+++ b/PDC-CleanArchitecture/prairiedev.pptx
@@ -3533,6 +3533,326 @@
   <p:clrMapOvr>
     <a:masterClrMapping/>
   </p:clrMapOvr>
+  <p:timing>
+    <p:tnLst>
+      <p:par>
+        <p:cTn id="1" dur="indefinite" restart="never" nodeType="tmRoot">
+          <p:childTnLst>
+            <p:seq concurrent="1" nextAc="seek">
+              <p:cTn id="2" dur="indefinite" nodeType="mainSeq">
+                <p:childTnLst>
+                  <p:par>
+                    <p:cTn id="3" fill="hold">
+                      <p:stCondLst>
+                        <p:cond delay="indefinite"/>
+                      </p:stCondLst>
+                      <p:childTnLst>
+                        <p:par>
+                          <p:cTn id="4" fill="hold">
+                            <p:stCondLst>
+                              <p:cond delay="0"/>
+                            </p:stCondLst>
+                            <p:childTnLst>
+                              <p:par>
+                                <p:cTn id="5" presetID="10" presetClass="entr" presetSubtype="0" fill="hold" grpId="0" nodeType="clickEffect">
+                                  <p:stCondLst>
+                                    <p:cond delay="0"/>
+                                  </p:stCondLst>
+                                  <p:childTnLst>
+                                    <p:set>
+                                      <p:cBhvr>
+                                        <p:cTn id="6" dur="1" fill="hold">
+                                          <p:stCondLst>
+                                            <p:cond delay="0"/>
+                                          </p:stCondLst>
+                                        </p:cTn>
+                                        <p:tgtEl>
+                                          <p:spTgt spid="5"/>
+                                        </p:tgtEl>
+                                        <p:attrNameLst>
+                                          <p:attrName>style.visibility</p:attrName>
+                                        </p:attrNameLst>
+                                      </p:cBhvr>
+                                      <p:to>
+                                        <p:strVal val="visible"/>
+                                      </p:to>
+                                    </p:set>
+                                    <p:animEffect transition="in" filter="fade">
+                                      <p:cBhvr>
+                                        <p:cTn id="7" dur="500"/>
+                                        <p:tgtEl>
+                                          <p:spTgt spid="5"/>
+                                        </p:tgtEl>
+                                      </p:cBhvr>
+                                    </p:animEffect>
+                                  </p:childTnLst>
+                                </p:cTn>
+                              </p:par>
+                              <p:par>
+                                <p:cTn id="8" presetID="10" presetClass="entr" presetSubtype="0" fill="hold" grpId="0" nodeType="withEffect">
+                                  <p:stCondLst>
+                                    <p:cond delay="0"/>
+                                  </p:stCondLst>
+                                  <p:childTnLst>
+                                    <p:set>
+                                      <p:cBhvr>
+                                        <p:cTn id="9" dur="1" fill="hold">
+                                          <p:stCondLst>
+                                            <p:cond delay="0"/>
+                                          </p:stCondLst>
+                                        </p:cTn>
+                                        <p:tgtEl>
+                                          <p:spTgt spid="18"/>
+                                        </p:tgtEl>
+                                        <p:attrNameLst>
+                                          <p:attrName>style.visibility</p:attrName>
+                                        </p:attrNameLst>
+                                      </p:cBhvr>
+                                      <p:to>
+                                        <p:strVal val="visible"/>
+                                      </p:to>
+                                    </p:set>
+                                    <p:animEffect transition="in" filter="fade">
+                                      <p:cBhvr>
+                                        <p:cTn id="10" dur="500"/>
+                                        <p:tgtEl>
+                                          <p:spTgt spid="18"/>
+                                        </p:tgtEl>
+                                      </p:cBhvr>
+                                    </p:animEffect>
+                                  </p:childTnLst>
+                                </p:cTn>
+                              </p:par>
+                              <p:par>
+                                <p:cTn id="11" presetID="10" presetClass="entr" presetSubtype="0" fill="hold" grpId="0" nodeType="withEffect">
+                                  <p:stCondLst>
+                                    <p:cond delay="0"/>
+                                  </p:stCondLst>
+                                  <p:childTnLst>
+                                    <p:set>
+                                      <p:cBhvr>
+                                        <p:cTn id="12" dur="1" fill="hold">
+                                          <p:stCondLst>
+                                            <p:cond delay="0"/>
+                                          </p:stCondLst>
+                                        </p:cTn>
+                                        <p:tgtEl>
+                                          <p:spTgt spid="12"/>
+                                        </p:tgtEl>
+                                        <p:attrNameLst>
+                                          <p:attrName>style.visibility</p:attrName>
+                                        </p:attrNameLst>
+                                      </p:cBhvr>
+                                      <p:to>
+                                        <p:strVal val="visible"/>
+                                      </p:to>
+                                    </p:set>
+                                    <p:animEffect transition="in" filter="fade">
+                                      <p:cBhvr>
+                                        <p:cTn id="13" dur="500"/>
+                                        <p:tgtEl>
+                                          <p:spTgt spid="12"/>
+                                        </p:tgtEl>
+                                      </p:cBhvr>
+                                    </p:animEffect>
+                                  </p:childTnLst>
+                                </p:cTn>
+                              </p:par>
+                              <p:par>
+                                <p:cTn id="14" presetID="10" presetClass="entr" presetSubtype="0" fill="hold" grpId="0" nodeType="withEffect">
+                                  <p:stCondLst>
+                                    <p:cond delay="0"/>
+                                  </p:stCondLst>
+                                  <p:childTnLst>
+                                    <p:set>
+                                      <p:cBhvr>
+                                        <p:cTn id="15" dur="1" fill="hold">
+                                          <p:stCondLst>
+                                            <p:cond delay="0"/>
+                                          </p:stCondLst>
+                                        </p:cTn>
+                                        <p:tgtEl>
+                                          <p:spTgt spid="2"/>
+                                        </p:tgtEl>
+                                        <p:attrNameLst>
+                                          <p:attrName>style.visibility</p:attrName>
+                                        </p:attrNameLst>
+                                      </p:cBhvr>
+                                      <p:to>
+                                        <p:strVal val="visible"/>
+                                      </p:to>
+                                    </p:set>
+                                    <p:animEffect transition="in" filter="fade">
+                                      <p:cBhvr>
+                                        <p:cTn id="16" dur="500"/>
+                                        <p:tgtEl>
+                                          <p:spTgt spid="2"/>
+                                        </p:tgtEl>
+                                      </p:cBhvr>
+                                    </p:animEffect>
+                                  </p:childTnLst>
+                                </p:cTn>
+                              </p:par>
+                              <p:par>
+                                <p:cTn id="17" presetID="10" presetClass="entr" presetSubtype="0" fill="hold" grpId="0" nodeType="withEffect">
+                                  <p:stCondLst>
+                                    <p:cond delay="0"/>
+                                  </p:stCondLst>
+                                  <p:childTnLst>
+                                    <p:set>
+                                      <p:cBhvr>
+                                        <p:cTn id="18" dur="1" fill="hold">
+                                          <p:stCondLst>
+                                            <p:cond delay="0"/>
+                                          </p:stCondLst>
+                                        </p:cTn>
+                                        <p:tgtEl>
+                                          <p:spTgt spid="16"/>
+                                        </p:tgtEl>
+                                        <p:attrNameLst>
+                                          <p:attrName>style.visibility</p:attrName>
+                                        </p:attrNameLst>
+                                      </p:cBhvr>
+                                      <p:to>
+                                        <p:strVal val="visible"/>
+                                      </p:to>
+                                    </p:set>
+                                    <p:animEffect transition="in" filter="fade">
+                                      <p:cBhvr>
+                                        <p:cTn id="19" dur="500"/>
+                                        <p:tgtEl>
+                                          <p:spTgt spid="16"/>
+                                        </p:tgtEl>
+                                      </p:cBhvr>
+                                    </p:animEffect>
+                                  </p:childTnLst>
+                                </p:cTn>
+                              </p:par>
+                              <p:par>
+                                <p:cTn id="20" presetID="10" presetClass="entr" presetSubtype="0" fill="hold" grpId="0" nodeType="withEffect">
+                                  <p:stCondLst>
+                                    <p:cond delay="0"/>
+                                  </p:stCondLst>
+                                  <p:childTnLst>
+                                    <p:set>
+                                      <p:cBhvr>
+                                        <p:cTn id="21" dur="1" fill="hold">
+                                          <p:stCondLst>
+                                            <p:cond delay="0"/>
+                                          </p:stCondLst>
+                                        </p:cTn>
+                                        <p:tgtEl>
+                                          <p:spTgt spid="17"/>
+                                        </p:tgtEl>
+                                        <p:attrNameLst>
+                                          <p:attrName>style.visibility</p:attrName>
+                                        </p:attrNameLst>
+                                      </p:cBhvr>
+                                      <p:to>
+                                        <p:strVal val="visible"/>
+                                      </p:to>
+                                    </p:set>
+                                    <p:animEffect transition="in" filter="fade">
+                                      <p:cBhvr>
+                                        <p:cTn id="22" dur="500"/>
+                                        <p:tgtEl>
+                                          <p:spTgt spid="17"/>
+                                        </p:tgtEl>
+                                      </p:cBhvr>
+                                    </p:animEffect>
+                                  </p:childTnLst>
+                                </p:cTn>
+                              </p:par>
+                            </p:childTnLst>
+                          </p:cTn>
+                        </p:par>
+                      </p:childTnLst>
+                    </p:cTn>
+                  </p:par>
+                  <p:par>
+                    <p:cTn id="23" fill="hold">
+                      <p:stCondLst>
+                        <p:cond delay="indefinite"/>
+                      </p:stCondLst>
+                      <p:childTnLst>
+                        <p:par>
+                          <p:cTn id="24" fill="hold">
+                            <p:stCondLst>
+                              <p:cond delay="0"/>
+                            </p:stCondLst>
+                            <p:childTnLst>
+                              <p:par>
+                                <p:cTn id="25" presetID="10" presetClass="entr" presetSubtype="0" fill="hold" grpId="0" nodeType="clickEffect">
+                                  <p:stCondLst>
+                                    <p:cond delay="0"/>
+                                  </p:stCondLst>
+                                  <p:childTnLst>
+                                    <p:set>
+                                      <p:cBhvr>
+                                        <p:cTn id="26" dur="1" fill="hold">
+                                          <p:stCondLst>
+                                            <p:cond delay="0"/>
+                                          </p:stCondLst>
+                                        </p:cTn>
+                                        <p:tgtEl>
+                                          <p:spTgt spid="6"/>
+                                        </p:tgtEl>
+                                        <p:attrNameLst>
+                                          <p:attrName>style.visibility</p:attrName>
+                                        </p:attrNameLst>
+                                      </p:cBhvr>
+                                      <p:to>
+                                        <p:strVal val="visible"/>
+                                      </p:to>
+                                    </p:set>
+                                    <p:animEffect transition="in" filter="fade">
+                                      <p:cBhvr>
+                                        <p:cTn id="27" dur="500"/>
+                                        <p:tgtEl>
+                                          <p:spTgt spid="6"/>
+                                        </p:tgtEl>
+                                      </p:cBhvr>
+                                    </p:animEffect>
+                                  </p:childTnLst>
+                                </p:cTn>
+                              </p:par>
+                            </p:childTnLst>
+                          </p:cTn>
+                        </p:par>
+                      </p:childTnLst>
+                    </p:cTn>
+                  </p:par>
+                </p:childTnLst>
+              </p:cTn>
+              <p:prevCondLst>
+                <p:cond evt="onPrev" delay="0">
+                  <p:tgtEl>
+                    <p:sldTgt/>
+                  </p:tgtEl>
+                </p:cond>
+              </p:prevCondLst>
+              <p:nextCondLst>
+                <p:cond evt="onNext" delay="0">
+                  <p:tgtEl>
+                    <p:sldTgt/>
+                  </p:tgtEl>
+                </p:cond>
+              </p:nextCondLst>
+            </p:seq>
+          </p:childTnLst>
+        </p:cTn>
+      </p:par>
+    </p:tnLst>
+    <p:bldLst>
+      <p:bldP spid="2" grpId="0" animBg="1"/>
+      <p:bldP spid="12" grpId="0" animBg="1"/>
+      <p:bldP spid="16" grpId="0" animBg="1"/>
+      <p:bldP spid="17" grpId="0" animBg="1"/>
+      <p:bldP spid="18" grpId="0" animBg="1"/>
+      <p:bldP spid="5" grpId="0" animBg="1"/>
+      <p:bldP spid="6" grpId="0" animBg="1"/>
+    </p:bldLst>
+  </p:timing>
 </p:sld>
 </file>
 
@@ -4352,6 +4672,398 @@
   <p:clrMapOvr>
     <a:masterClrMapping/>
   </p:clrMapOvr>
+  <p:timing>
+    <p:tnLst>
+      <p:par>
+        <p:cTn id="1" dur="indefinite" restart="never" nodeType="tmRoot">
+          <p:childTnLst>
+            <p:seq concurrent="1" nextAc="seek">
+              <p:cTn id="2" dur="indefinite" nodeType="mainSeq">
+                <p:childTnLst>
+                  <p:par>
+                    <p:cTn id="3" fill="hold">
+                      <p:stCondLst>
+                        <p:cond delay="indefinite"/>
+                      </p:stCondLst>
+                      <p:childTnLst>
+                        <p:par>
+                          <p:cTn id="4" fill="hold">
+                            <p:stCondLst>
+                              <p:cond delay="0"/>
+                            </p:stCondLst>
+                            <p:childTnLst>
+                              <p:par>
+                                <p:cTn id="5" presetID="10" presetClass="entr" presetSubtype="0" fill="hold" grpId="0" nodeType="clickEffect">
+                                  <p:stCondLst>
+                                    <p:cond delay="0"/>
+                                  </p:stCondLst>
+                                  <p:childTnLst>
+                                    <p:set>
+                                      <p:cBhvr>
+                                        <p:cTn id="6" dur="1" fill="hold">
+                                          <p:stCondLst>
+                                            <p:cond delay="0"/>
+                                          </p:stCondLst>
+                                        </p:cTn>
+                                        <p:tgtEl>
+                                          <p:spTgt spid="17"/>
+                                        </p:tgtEl>
+                                        <p:attrNameLst>
+                                          <p:attrName>style.visibility</p:attrName>
+                                        </p:attrNameLst>
+                                      </p:cBhvr>
+                                      <p:to>
+                                        <p:strVal val="visible"/>
+                                      </p:to>
+                                    </p:set>
+                                    <p:animEffect transition="in" filter="fade">
+                                      <p:cBhvr>
+                                        <p:cTn id="7" dur="500"/>
+                                        <p:tgtEl>
+                                          <p:spTgt spid="17"/>
+                                        </p:tgtEl>
+                                      </p:cBhvr>
+                                    </p:animEffect>
+                                  </p:childTnLst>
+                                </p:cTn>
+                              </p:par>
+                            </p:childTnLst>
+                          </p:cTn>
+                        </p:par>
+                      </p:childTnLst>
+                    </p:cTn>
+                  </p:par>
+                  <p:par>
+                    <p:cTn id="8" fill="hold">
+                      <p:stCondLst>
+                        <p:cond delay="indefinite"/>
+                      </p:stCondLst>
+                      <p:childTnLst>
+                        <p:par>
+                          <p:cTn id="9" fill="hold">
+                            <p:stCondLst>
+                              <p:cond delay="0"/>
+                            </p:stCondLst>
+                            <p:childTnLst>
+                              <p:par>
+                                <p:cTn id="10" presetID="10" presetClass="entr" presetSubtype="0" fill="hold" grpId="0" nodeType="clickEffect">
+                                  <p:stCondLst>
+                                    <p:cond delay="0"/>
+                                  </p:stCondLst>
+                                  <p:childTnLst>
+                                    <p:set>
+                                      <p:cBhvr>
+                                        <p:cTn id="11" dur="1" fill="hold">
+                                          <p:stCondLst>
+                                            <p:cond delay="0"/>
+                                          </p:stCondLst>
+                                        </p:cTn>
+                                        <p:tgtEl>
+                                          <p:spTgt spid="12"/>
+                                        </p:tgtEl>
+                                        <p:attrNameLst>
+                                          <p:attrName>style.visibility</p:attrName>
+                                        </p:attrNameLst>
+                                      </p:cBhvr>
+                                      <p:to>
+                                        <p:strVal val="visible"/>
+                                      </p:to>
+                                    </p:set>
+                                    <p:animEffect transition="in" filter="fade">
+                                      <p:cBhvr>
+                                        <p:cTn id="12" dur="500"/>
+                                        <p:tgtEl>
+                                          <p:spTgt spid="12"/>
+                                        </p:tgtEl>
+                                      </p:cBhvr>
+                                    </p:animEffect>
+                                  </p:childTnLst>
+                                </p:cTn>
+                              </p:par>
+                            </p:childTnLst>
+                          </p:cTn>
+                        </p:par>
+                      </p:childTnLst>
+                    </p:cTn>
+                  </p:par>
+                  <p:par>
+                    <p:cTn id="13" fill="hold">
+                      <p:stCondLst>
+                        <p:cond delay="indefinite"/>
+                      </p:stCondLst>
+                      <p:childTnLst>
+                        <p:par>
+                          <p:cTn id="14" fill="hold">
+                            <p:stCondLst>
+                              <p:cond delay="0"/>
+                            </p:stCondLst>
+                            <p:childTnLst>
+                              <p:par>
+                                <p:cTn id="15" presetID="10" presetClass="entr" presetSubtype="0" fill="hold" grpId="0" nodeType="clickEffect">
+                                  <p:stCondLst>
+                                    <p:cond delay="0"/>
+                                  </p:stCondLst>
+                                  <p:childTnLst>
+                                    <p:set>
+                                      <p:cBhvr>
+                                        <p:cTn id="16" dur="1" fill="hold">
+                                          <p:stCondLst>
+                                            <p:cond delay="0"/>
+                                          </p:stCondLst>
+                                        </p:cTn>
+                                        <p:tgtEl>
+                                          <p:spTgt spid="5"/>
+                                        </p:tgtEl>
+                                        <p:attrNameLst>
+                                          <p:attrName>style.visibility</p:attrName>
+                                        </p:attrNameLst>
+                                      </p:cBhvr>
+                                      <p:to>
+                                        <p:strVal val="visible"/>
+                                      </p:to>
+                                    </p:set>
+                                    <p:animEffect transition="in" filter="fade">
+                                      <p:cBhvr>
+                                        <p:cTn id="17" dur="500"/>
+                                        <p:tgtEl>
+                                          <p:spTgt spid="5"/>
+                                        </p:tgtEl>
+                                      </p:cBhvr>
+                                    </p:animEffect>
+                                  </p:childTnLst>
+                                </p:cTn>
+                              </p:par>
+                              <p:par>
+                                <p:cTn id="18" presetID="10" presetClass="entr" presetSubtype="0" fill="hold" grpId="0" nodeType="withEffect">
+                                  <p:stCondLst>
+                                    <p:cond delay="0"/>
+                                  </p:stCondLst>
+                                  <p:childTnLst>
+                                    <p:set>
+                                      <p:cBhvr>
+                                        <p:cTn id="19" dur="1" fill="hold">
+                                          <p:stCondLst>
+                                            <p:cond delay="0"/>
+                                          </p:stCondLst>
+                                        </p:cTn>
+                                        <p:tgtEl>
+                                          <p:spTgt spid="6"/>
+                                        </p:tgtEl>
+                                        <p:attrNameLst>
+                                          <p:attrName>style.visibility</p:attrName>
+                                        </p:attrNameLst>
+                                      </p:cBhvr>
+                                      <p:to>
+                                        <p:strVal val="visible"/>
+                                      </p:to>
+                                    </p:set>
+                                    <p:animEffect transition="in" filter="fade">
+                                      <p:cBhvr>
+                                        <p:cTn id="20" dur="500"/>
+                                        <p:tgtEl>
+                                          <p:spTgt spid="6"/>
+                                        </p:tgtEl>
+                                      </p:cBhvr>
+                                    </p:animEffect>
+                                  </p:childTnLst>
+                                </p:cTn>
+                              </p:par>
+                            </p:childTnLst>
+                          </p:cTn>
+                        </p:par>
+                      </p:childTnLst>
+                    </p:cTn>
+                  </p:par>
+                  <p:par>
+                    <p:cTn id="21" fill="hold">
+                      <p:stCondLst>
+                        <p:cond delay="indefinite"/>
+                      </p:stCondLst>
+                      <p:childTnLst>
+                        <p:par>
+                          <p:cTn id="22" fill="hold">
+                            <p:stCondLst>
+                              <p:cond delay="0"/>
+                            </p:stCondLst>
+                            <p:childTnLst>
+                              <p:par>
+                                <p:cTn id="23" presetID="10" presetClass="entr" presetSubtype="0" fill="hold" grpId="0" nodeType="clickEffect">
+                                  <p:stCondLst>
+                                    <p:cond delay="0"/>
+                                  </p:stCondLst>
+                                  <p:childTnLst>
+                                    <p:set>
+                                      <p:cBhvr>
+                                        <p:cTn id="24" dur="1" fill="hold">
+                                          <p:stCondLst>
+                                            <p:cond delay="0"/>
+                                          </p:stCondLst>
+                                        </p:cTn>
+                                        <p:tgtEl>
+                                          <p:spTgt spid="2"/>
+                                        </p:tgtEl>
+                                        <p:attrNameLst>
+                                          <p:attrName>style.visibility</p:attrName>
+                                        </p:attrNameLst>
+                                      </p:cBhvr>
+                                      <p:to>
+                                        <p:strVal val="visible"/>
+                                      </p:to>
+                                    </p:set>
+                                    <p:animEffect transition="in" filter="fade">
+                                      <p:cBhvr>
+                                        <p:cTn id="25" dur="500"/>
+                                        <p:tgtEl>
+                                          <p:spTgt spid="2"/>
+                                        </p:tgtEl>
+                                      </p:cBhvr>
+                                    </p:animEffect>
+                                  </p:childTnLst>
+                                </p:cTn>
+                              </p:par>
+                            </p:childTnLst>
+                          </p:cTn>
+                        </p:par>
+                      </p:childTnLst>
+                    </p:cTn>
+                  </p:par>
+                  <p:par>
+                    <p:cTn id="26" fill="hold">
+                      <p:stCondLst>
+                        <p:cond delay="indefinite"/>
+                      </p:stCondLst>
+                      <p:childTnLst>
+                        <p:par>
+                          <p:cTn id="27" fill="hold">
+                            <p:stCondLst>
+                              <p:cond delay="0"/>
+                            </p:stCondLst>
+                            <p:childTnLst>
+                              <p:par>
+                                <p:cTn id="28" presetID="10" presetClass="entr" presetSubtype="0" fill="hold" grpId="0" nodeType="clickEffect">
+                                  <p:stCondLst>
+                                    <p:cond delay="0"/>
+                                  </p:stCondLst>
+                                  <p:childTnLst>
+                                    <p:set>
+                                      <p:cBhvr>
+                                        <p:cTn id="29" dur="1" fill="hold">
+                                          <p:stCondLst>
+                                            <p:cond delay="0"/>
+                                          </p:stCondLst>
+                                        </p:cTn>
+                                        <p:tgtEl>
+                                          <p:spTgt spid="16"/>
+                                        </p:tgtEl>
+                                        <p:attrNameLst>
+                                          <p:attrName>style.visibility</p:attrName>
+                                        </p:attrNameLst>
+                                      </p:cBhvr>
+                                      <p:to>
+                                        <p:strVal val="visible"/>
+                                      </p:to>
+                                    </p:set>
+                                    <p:animEffect transition="in" filter="fade">
+                                      <p:cBhvr>
+                                        <p:cTn id="30" dur="500"/>
+                                        <p:tgtEl>
+                                          <p:spTgt spid="16"/>
+                                        </p:tgtEl>
+                                      </p:cBhvr>
+                                    </p:animEffect>
+                                  </p:childTnLst>
+                                </p:cTn>
+                              </p:par>
+                            </p:childTnLst>
+                          </p:cTn>
+                        </p:par>
+                      </p:childTnLst>
+                    </p:cTn>
+                  </p:par>
+                  <p:par>
+                    <p:cTn id="31" fill="hold">
+                      <p:stCondLst>
+                        <p:cond delay="indefinite"/>
+                      </p:stCondLst>
+                      <p:childTnLst>
+                        <p:par>
+                          <p:cTn id="32" fill="hold">
+                            <p:stCondLst>
+                              <p:cond delay="0"/>
+                            </p:stCondLst>
+                            <p:childTnLst>
+                              <p:par>
+                                <p:cTn id="33" presetID="10" presetClass="entr" presetSubtype="0" fill="hold" grpId="0" nodeType="clickEffect">
+                                  <p:stCondLst>
+                                    <p:cond delay="0"/>
+                                  </p:stCondLst>
+                                  <p:childTnLst>
+                                    <p:set>
+                                      <p:cBhvr>
+                                        <p:cTn id="34" dur="1" fill="hold">
+                                          <p:stCondLst>
+                                            <p:cond delay="0"/>
+                                          </p:stCondLst>
+                                        </p:cTn>
+                                        <p:tgtEl>
+                                          <p:spTgt spid="18"/>
+                                        </p:tgtEl>
+                                        <p:attrNameLst>
+                                          <p:attrName>style.visibility</p:attrName>
+                                        </p:attrNameLst>
+                                      </p:cBhvr>
+                                      <p:to>
+                                        <p:strVal val="visible"/>
+                                      </p:to>
+                                    </p:set>
+                                    <p:animEffect transition="in" filter="fade">
+                                      <p:cBhvr>
+                                        <p:cTn id="35" dur="500"/>
+                                        <p:tgtEl>
+                                          <p:spTgt spid="18"/>
+                                        </p:tgtEl>
+                                      </p:cBhvr>
+                                    </p:animEffect>
+                                  </p:childTnLst>
+                                </p:cTn>
+                              </p:par>
+                            </p:childTnLst>
+                          </p:cTn>
+                        </p:par>
+                      </p:childTnLst>
+                    </p:cTn>
+                  </p:par>
+                </p:childTnLst>
+              </p:cTn>
+              <p:prevCondLst>
+                <p:cond evt="onPrev" delay="0">
+                  <p:tgtEl>
+                    <p:sldTgt/>
+                  </p:tgtEl>
+                </p:cond>
+              </p:prevCondLst>
+              <p:nextCondLst>
+                <p:cond evt="onNext" delay="0">
+                  <p:tgtEl>
+                    <p:sldTgt/>
+                  </p:tgtEl>
+                </p:cond>
+              </p:nextCondLst>
+            </p:seq>
+          </p:childTnLst>
+        </p:cTn>
+      </p:par>
+    </p:tnLst>
+    <p:bldLst>
+      <p:bldP spid="2" grpId="0" animBg="1"/>
+      <p:bldP spid="12" grpId="0" animBg="1"/>
+      <p:bldP spid="17" grpId="0" animBg="1"/>
+      <p:bldP spid="16" grpId="0" animBg="1"/>
+      <p:bldP spid="18" grpId="0" animBg="1"/>
+      <p:bldP spid="5" grpId="0" animBg="1"/>
+      <p:bldP spid="6" grpId="0"/>
+    </p:bldLst>
+  </p:timing>
 </p:sld>
 </file>
 
@@ -5244,6 +5956,280 @@
   <p:clrMapOvr>
     <a:masterClrMapping/>
   </p:clrMapOvr>
+  <p:timing>
+    <p:tnLst>
+      <p:par>
+        <p:cTn id="1" dur="indefinite" restart="never" nodeType="tmRoot">
+          <p:childTnLst>
+            <p:seq concurrent="1" nextAc="seek">
+              <p:cTn id="2" dur="indefinite" nodeType="mainSeq">
+                <p:childTnLst>
+                  <p:par>
+                    <p:cTn id="3" fill="hold">
+                      <p:stCondLst>
+                        <p:cond delay="indefinite"/>
+                      </p:stCondLst>
+                      <p:childTnLst>
+                        <p:par>
+                          <p:cTn id="4" fill="hold">
+                            <p:stCondLst>
+                              <p:cond delay="0"/>
+                            </p:stCondLst>
+                            <p:childTnLst>
+                              <p:par>
+                                <p:cTn id="5" presetID="10" presetClass="entr" presetSubtype="0" fill="hold" nodeType="clickEffect">
+                                  <p:stCondLst>
+                                    <p:cond delay="0"/>
+                                  </p:stCondLst>
+                                  <p:childTnLst>
+                                    <p:set>
+                                      <p:cBhvr>
+                                        <p:cTn id="6" dur="1" fill="hold">
+                                          <p:stCondLst>
+                                            <p:cond delay="0"/>
+                                          </p:stCondLst>
+                                        </p:cTn>
+                                        <p:tgtEl>
+                                          <p:spTgt spid="9">
+                                            <p:txEl>
+                                              <p:pRg st="0" end="0"/>
+                                            </p:txEl>
+                                          </p:spTgt>
+                                        </p:tgtEl>
+                                        <p:attrNameLst>
+                                          <p:attrName>style.visibility</p:attrName>
+                                        </p:attrNameLst>
+                                      </p:cBhvr>
+                                      <p:to>
+                                        <p:strVal val="visible"/>
+                                      </p:to>
+                                    </p:set>
+                                    <p:animEffect transition="in" filter="fade">
+                                      <p:cBhvr>
+                                        <p:cTn id="7" dur="500"/>
+                                        <p:tgtEl>
+                                          <p:spTgt spid="9">
+                                            <p:txEl>
+                                              <p:pRg st="0" end="0"/>
+                                            </p:txEl>
+                                          </p:spTgt>
+                                        </p:tgtEl>
+                                      </p:cBhvr>
+                                    </p:animEffect>
+                                  </p:childTnLst>
+                                </p:cTn>
+                              </p:par>
+                            </p:childTnLst>
+                          </p:cTn>
+                        </p:par>
+                      </p:childTnLst>
+                    </p:cTn>
+                  </p:par>
+                  <p:par>
+                    <p:cTn id="8" fill="hold">
+                      <p:stCondLst>
+                        <p:cond delay="indefinite"/>
+                      </p:stCondLst>
+                      <p:childTnLst>
+                        <p:par>
+                          <p:cTn id="9" fill="hold">
+                            <p:stCondLst>
+                              <p:cond delay="0"/>
+                            </p:stCondLst>
+                            <p:childTnLst>
+                              <p:par>
+                                <p:cTn id="10" presetID="10" presetClass="entr" presetSubtype="0" fill="hold" nodeType="clickEffect">
+                                  <p:stCondLst>
+                                    <p:cond delay="0"/>
+                                  </p:stCondLst>
+                                  <p:childTnLst>
+                                    <p:set>
+                                      <p:cBhvr>
+                                        <p:cTn id="11" dur="1" fill="hold">
+                                          <p:stCondLst>
+                                            <p:cond delay="0"/>
+                                          </p:stCondLst>
+                                        </p:cTn>
+                                        <p:tgtEl>
+                                          <p:spTgt spid="9">
+                                            <p:txEl>
+                                              <p:pRg st="1" end="1"/>
+                                            </p:txEl>
+                                          </p:spTgt>
+                                        </p:tgtEl>
+                                        <p:attrNameLst>
+                                          <p:attrName>style.visibility</p:attrName>
+                                        </p:attrNameLst>
+                                      </p:cBhvr>
+                                      <p:to>
+                                        <p:strVal val="visible"/>
+                                      </p:to>
+                                    </p:set>
+                                    <p:animEffect transition="in" filter="fade">
+                                      <p:cBhvr>
+                                        <p:cTn id="12" dur="500"/>
+                                        <p:tgtEl>
+                                          <p:spTgt spid="9">
+                                            <p:txEl>
+                                              <p:pRg st="1" end="1"/>
+                                            </p:txEl>
+                                          </p:spTgt>
+                                        </p:tgtEl>
+                                      </p:cBhvr>
+                                    </p:animEffect>
+                                  </p:childTnLst>
+                                </p:cTn>
+                              </p:par>
+                            </p:childTnLst>
+                          </p:cTn>
+                        </p:par>
+                      </p:childTnLst>
+                    </p:cTn>
+                  </p:par>
+                  <p:par>
+                    <p:cTn id="13" fill="hold">
+                      <p:stCondLst>
+                        <p:cond delay="indefinite"/>
+                      </p:stCondLst>
+                      <p:childTnLst>
+                        <p:par>
+                          <p:cTn id="14" fill="hold">
+                            <p:stCondLst>
+                              <p:cond delay="0"/>
+                            </p:stCondLst>
+                            <p:childTnLst>
+                              <p:par>
+                                <p:cTn id="15" presetID="10" presetClass="entr" presetSubtype="0" fill="hold" nodeType="clickEffect">
+                                  <p:stCondLst>
+                                    <p:cond delay="0"/>
+                                  </p:stCondLst>
+                                  <p:childTnLst>
+                                    <p:set>
+                                      <p:cBhvr>
+                                        <p:cTn id="16" dur="1" fill="hold">
+                                          <p:stCondLst>
+                                            <p:cond delay="0"/>
+                                          </p:stCondLst>
+                                        </p:cTn>
+                                        <p:tgtEl>
+                                          <p:spTgt spid="9">
+                                            <p:txEl>
+                                              <p:pRg st="2" end="2"/>
+                                            </p:txEl>
+                                          </p:spTgt>
+                                        </p:tgtEl>
+                                        <p:attrNameLst>
+                                          <p:attrName>style.visibility</p:attrName>
+                                        </p:attrNameLst>
+                                      </p:cBhvr>
+                                      <p:to>
+                                        <p:strVal val="visible"/>
+                                      </p:to>
+                                    </p:set>
+                                    <p:animEffect transition="in" filter="fade">
+                                      <p:cBhvr>
+                                        <p:cTn id="17" dur="500"/>
+                                        <p:tgtEl>
+                                          <p:spTgt spid="9">
+                                            <p:txEl>
+                                              <p:pRg st="2" end="2"/>
+                                            </p:txEl>
+                                          </p:spTgt>
+                                        </p:tgtEl>
+                                      </p:cBhvr>
+                                    </p:animEffect>
+                                  </p:childTnLst>
+                                </p:cTn>
+                              </p:par>
+                            </p:childTnLst>
+                          </p:cTn>
+                        </p:par>
+                      </p:childTnLst>
+                    </p:cTn>
+                  </p:par>
+                  <p:par>
+                    <p:cTn id="18" fill="hold">
+                      <p:stCondLst>
+                        <p:cond delay="indefinite"/>
+                      </p:stCondLst>
+                      <p:childTnLst>
+                        <p:par>
+                          <p:cTn id="19" fill="hold">
+                            <p:stCondLst>
+                              <p:cond delay="0"/>
+                            </p:stCondLst>
+                            <p:childTnLst>
+                              <p:par>
+                                <p:cTn id="20" presetID="10" presetClass="entr" presetSubtype="0" fill="hold" nodeType="clickEffect">
+                                  <p:stCondLst>
+                                    <p:cond delay="0"/>
+                                  </p:stCondLst>
+                                  <p:childTnLst>
+                                    <p:set>
+                                      <p:cBhvr>
+                                        <p:cTn id="21" dur="1" fill="hold">
+                                          <p:stCondLst>
+                                            <p:cond delay="0"/>
+                                          </p:stCondLst>
+                                        </p:cTn>
+                                        <p:tgtEl>
+                                          <p:spTgt spid="9">
+                                            <p:txEl>
+                                              <p:pRg st="3" end="3"/>
+                                            </p:txEl>
+                                          </p:spTgt>
+                                        </p:tgtEl>
+                                        <p:attrNameLst>
+                                          <p:attrName>style.visibility</p:attrName>
+                                        </p:attrNameLst>
+                                      </p:cBhvr>
+                                      <p:to>
+                                        <p:strVal val="visible"/>
+                                      </p:to>
+                                    </p:set>
+                                    <p:animEffect transition="in" filter="fade">
+                                      <p:cBhvr>
+                                        <p:cTn id="22" dur="500"/>
+                                        <p:tgtEl>
+                                          <p:spTgt spid="9">
+                                            <p:txEl>
+                                              <p:pRg st="3" end="3"/>
+                                            </p:txEl>
+                                          </p:spTgt>
+                                        </p:tgtEl>
+                                      </p:cBhvr>
+                                    </p:animEffect>
+                                  </p:childTnLst>
+                                </p:cTn>
+                              </p:par>
+                            </p:childTnLst>
+                          </p:cTn>
+                        </p:par>
+                      </p:childTnLst>
+                    </p:cTn>
+                  </p:par>
+                </p:childTnLst>
+              </p:cTn>
+              <p:prevCondLst>
+                <p:cond evt="onPrev" delay="0">
+                  <p:tgtEl>
+                    <p:sldTgt/>
+                  </p:tgtEl>
+                </p:cond>
+              </p:prevCondLst>
+              <p:nextCondLst>
+                <p:cond evt="onNext" delay="0">
+                  <p:tgtEl>
+                    <p:sldTgt/>
+                  </p:tgtEl>
+                </p:cond>
+              </p:nextCondLst>
+            </p:seq>
+          </p:childTnLst>
+        </p:cTn>
+      </p:par>
+    </p:tnLst>
+  </p:timing>
 </p:sld>
 </file>
 
@@ -5279,7 +6265,7 @@
         <p:spPr>
           <a:xfrm>
             <a:off x="2688079" y="4965174"/>
-            <a:ext cx="19001486" cy="3139321"/>
+            <a:ext cx="19001486" cy="2123658"/>
           </a:xfrm>
           <a:prstGeom prst="rect">
             <a:avLst/>
@@ -5312,29 +6298,6 @@
                 <a:cs typeface="Roboto Light" panose="02000000000000000000" pitchFamily="2" charset="0"/>
               </a:rPr>
               <a:t>Avoid Data Annotations</a:t>
-            </a:r>
-          </a:p>
-          <a:p>
-            <a:pPr marL="1143000" indent="-1143000">
-              <a:buBlip>
-                <a:blip r:embed="rId2">
-                  <a:extLst>
-                    <a:ext uri="{96DAC541-7B7A-43D3-8B79-37D633B846F1}">
-                      <asvg:svgBlip xmlns:asvg="http://schemas.microsoft.com/office/drawing/2016/SVG/main" r:embed="rId3"/>
-                    </a:ext>
-                  </a:extLst>
-                </a:blip>
-              </a:buBlip>
-            </a:pPr>
-            <a:r>
-              <a:rPr lang="en-US" sz="6600" dirty="0">
-                <a:solidFill>
-                  <a:schemeClr val="tx2"/>
-                </a:solidFill>
-                <a:ea typeface="Roboto Light" panose="02000000000000000000" pitchFamily="2" charset="0"/>
-                <a:cs typeface="Roboto Light" panose="02000000000000000000" pitchFamily="2" charset="0"/>
-              </a:rPr>
-              <a:t>Consider Convention over Configuration</a:t>
             </a:r>
           </a:p>
           <a:p>
@@ -5473,6 +6436,158 @@
   <p:clrMapOvr>
     <a:masterClrMapping/>
   </p:clrMapOvr>
+  <p:timing>
+    <p:tnLst>
+      <p:par>
+        <p:cTn id="1" dur="indefinite" restart="never" nodeType="tmRoot">
+          <p:childTnLst>
+            <p:seq concurrent="1" nextAc="seek">
+              <p:cTn id="2" dur="indefinite" nodeType="mainSeq">
+                <p:childTnLst>
+                  <p:par>
+                    <p:cTn id="3" fill="hold">
+                      <p:stCondLst>
+                        <p:cond delay="indefinite"/>
+                      </p:stCondLst>
+                      <p:childTnLst>
+                        <p:par>
+                          <p:cTn id="4" fill="hold">
+                            <p:stCondLst>
+                              <p:cond delay="0"/>
+                            </p:stCondLst>
+                            <p:childTnLst>
+                              <p:par>
+                                <p:cTn id="5" presetID="10" presetClass="entr" presetSubtype="0" fill="hold" nodeType="clickEffect">
+                                  <p:stCondLst>
+                                    <p:cond delay="0"/>
+                                  </p:stCondLst>
+                                  <p:childTnLst>
+                                    <p:set>
+                                      <p:cBhvr>
+                                        <p:cTn id="6" dur="1" fill="hold">
+                                          <p:stCondLst>
+                                            <p:cond delay="0"/>
+                                          </p:stCondLst>
+                                        </p:cTn>
+                                        <p:tgtEl>
+                                          <p:spTgt spid="27">
+                                            <p:txEl>
+                                              <p:pRg st="0" end="0"/>
+                                            </p:txEl>
+                                          </p:spTgt>
+                                        </p:tgtEl>
+                                        <p:attrNameLst>
+                                          <p:attrName>style.visibility</p:attrName>
+                                        </p:attrNameLst>
+                                      </p:cBhvr>
+                                      <p:to>
+                                        <p:strVal val="visible"/>
+                                      </p:to>
+                                    </p:set>
+                                    <p:animEffect transition="in" filter="fade">
+                                      <p:cBhvr>
+                                        <p:cTn id="7" dur="500"/>
+                                        <p:tgtEl>
+                                          <p:spTgt spid="27">
+                                            <p:txEl>
+                                              <p:pRg st="0" end="0"/>
+                                            </p:txEl>
+                                          </p:spTgt>
+                                        </p:tgtEl>
+                                      </p:cBhvr>
+                                    </p:animEffect>
+                                  </p:childTnLst>
+                                </p:cTn>
+                              </p:par>
+                            </p:childTnLst>
+                          </p:cTn>
+                        </p:par>
+                      </p:childTnLst>
+                    </p:cTn>
+                  </p:par>
+                  <p:par>
+                    <p:cTn id="8" fill="hold">
+                      <p:stCondLst>
+                        <p:cond delay="indefinite"/>
+                      </p:stCondLst>
+                      <p:childTnLst>
+                        <p:par>
+                          <p:cTn id="9" fill="hold">
+                            <p:stCondLst>
+                              <p:cond delay="0"/>
+                            </p:stCondLst>
+                            <p:childTnLst>
+                              <p:par>
+                                <p:cTn id="10" presetID="10" presetClass="entr" presetSubtype="0" fill="hold" nodeType="clickEffect">
+                                  <p:stCondLst>
+                                    <p:cond delay="0"/>
+                                  </p:stCondLst>
+                                  <p:childTnLst>
+                                    <p:set>
+                                      <p:cBhvr>
+                                        <p:cTn id="11" dur="1" fill="hold">
+                                          <p:stCondLst>
+                                            <p:cond delay="0"/>
+                                          </p:stCondLst>
+                                        </p:cTn>
+                                        <p:tgtEl>
+                                          <p:spTgt spid="27">
+                                            <p:txEl>
+                                              <p:pRg st="1" end="1"/>
+                                            </p:txEl>
+                                          </p:spTgt>
+                                        </p:tgtEl>
+                                        <p:attrNameLst>
+                                          <p:attrName>style.visibility</p:attrName>
+                                        </p:attrNameLst>
+                                      </p:cBhvr>
+                                      <p:to>
+                                        <p:strVal val="visible"/>
+                                      </p:to>
+                                    </p:set>
+                                    <p:animEffect transition="in" filter="fade">
+                                      <p:cBhvr>
+                                        <p:cTn id="12" dur="500"/>
+                                        <p:tgtEl>
+                                          <p:spTgt spid="27">
+                                            <p:txEl>
+                                              <p:pRg st="1" end="1"/>
+                                            </p:txEl>
+                                          </p:spTgt>
+                                        </p:tgtEl>
+                                      </p:cBhvr>
+                                    </p:animEffect>
+                                  </p:childTnLst>
+                                </p:cTn>
+                              </p:par>
+                            </p:childTnLst>
+                          </p:cTn>
+                        </p:par>
+                      </p:childTnLst>
+                    </p:cTn>
+                  </p:par>
+                </p:childTnLst>
+              </p:cTn>
+              <p:prevCondLst>
+                <p:cond evt="onPrev" delay="0">
+                  <p:tgtEl>
+                    <p:sldTgt/>
+                  </p:tgtEl>
+                </p:cond>
+              </p:prevCondLst>
+              <p:nextCondLst>
+                <p:cond evt="onNext" delay="0">
+                  <p:tgtEl>
+                    <p:sldTgt/>
+                  </p:tgtEl>
+                </p:cond>
+              </p:nextCondLst>
+            </p:seq>
+          </p:childTnLst>
+        </p:cTn>
+      </p:par>
+    </p:tnLst>
+  </p:timing>
 </p:sld>
 </file>
 
@@ -7722,6 +8837,402 @@
   <p:clrMapOvr>
     <a:masterClrMapping/>
   </p:clrMapOvr>
+  <p:timing>
+    <p:tnLst>
+      <p:par>
+        <p:cTn id="1" dur="indefinite" restart="never" nodeType="tmRoot">
+          <p:childTnLst>
+            <p:seq concurrent="1" nextAc="seek">
+              <p:cTn id="2" dur="indefinite" nodeType="mainSeq">
+                <p:childTnLst>
+                  <p:par>
+                    <p:cTn id="3" fill="hold">
+                      <p:stCondLst>
+                        <p:cond delay="indefinite"/>
+                      </p:stCondLst>
+                      <p:childTnLst>
+                        <p:par>
+                          <p:cTn id="4" fill="hold">
+                            <p:stCondLst>
+                              <p:cond delay="0"/>
+                            </p:stCondLst>
+                            <p:childTnLst>
+                              <p:par>
+                                <p:cTn id="5" presetID="10" presetClass="entr" presetSubtype="0" fill="hold" nodeType="clickEffect">
+                                  <p:stCondLst>
+                                    <p:cond delay="0"/>
+                                  </p:stCondLst>
+                                  <p:childTnLst>
+                                    <p:set>
+                                      <p:cBhvr>
+                                        <p:cTn id="6" dur="1" fill="hold">
+                                          <p:stCondLst>
+                                            <p:cond delay="0"/>
+                                          </p:stCondLst>
+                                        </p:cTn>
+                                        <p:tgtEl>
+                                          <p:spTgt spid="9">
+                                            <p:txEl>
+                                              <p:pRg st="0" end="0"/>
+                                            </p:txEl>
+                                          </p:spTgt>
+                                        </p:tgtEl>
+                                        <p:attrNameLst>
+                                          <p:attrName>style.visibility</p:attrName>
+                                        </p:attrNameLst>
+                                      </p:cBhvr>
+                                      <p:to>
+                                        <p:strVal val="visible"/>
+                                      </p:to>
+                                    </p:set>
+                                    <p:animEffect transition="in" filter="fade">
+                                      <p:cBhvr>
+                                        <p:cTn id="7" dur="500"/>
+                                        <p:tgtEl>
+                                          <p:spTgt spid="9">
+                                            <p:txEl>
+                                              <p:pRg st="0" end="0"/>
+                                            </p:txEl>
+                                          </p:spTgt>
+                                        </p:tgtEl>
+                                      </p:cBhvr>
+                                    </p:animEffect>
+                                  </p:childTnLst>
+                                </p:cTn>
+                              </p:par>
+                            </p:childTnLst>
+                          </p:cTn>
+                        </p:par>
+                      </p:childTnLst>
+                    </p:cTn>
+                  </p:par>
+                  <p:par>
+                    <p:cTn id="8" fill="hold">
+                      <p:stCondLst>
+                        <p:cond delay="indefinite"/>
+                      </p:stCondLst>
+                      <p:childTnLst>
+                        <p:par>
+                          <p:cTn id="9" fill="hold">
+                            <p:stCondLst>
+                              <p:cond delay="0"/>
+                            </p:stCondLst>
+                            <p:childTnLst>
+                              <p:par>
+                                <p:cTn id="10" presetID="10" presetClass="entr" presetSubtype="0" fill="hold" nodeType="clickEffect">
+                                  <p:stCondLst>
+                                    <p:cond delay="0"/>
+                                  </p:stCondLst>
+                                  <p:childTnLst>
+                                    <p:set>
+                                      <p:cBhvr>
+                                        <p:cTn id="11" dur="1" fill="hold">
+                                          <p:stCondLst>
+                                            <p:cond delay="0"/>
+                                          </p:stCondLst>
+                                        </p:cTn>
+                                        <p:tgtEl>
+                                          <p:spTgt spid="9">
+                                            <p:txEl>
+                                              <p:pRg st="1" end="1"/>
+                                            </p:txEl>
+                                          </p:spTgt>
+                                        </p:tgtEl>
+                                        <p:attrNameLst>
+                                          <p:attrName>style.visibility</p:attrName>
+                                        </p:attrNameLst>
+                                      </p:cBhvr>
+                                      <p:to>
+                                        <p:strVal val="visible"/>
+                                      </p:to>
+                                    </p:set>
+                                    <p:animEffect transition="in" filter="fade">
+                                      <p:cBhvr>
+                                        <p:cTn id="12" dur="500"/>
+                                        <p:tgtEl>
+                                          <p:spTgt spid="9">
+                                            <p:txEl>
+                                              <p:pRg st="1" end="1"/>
+                                            </p:txEl>
+                                          </p:spTgt>
+                                        </p:tgtEl>
+                                      </p:cBhvr>
+                                    </p:animEffect>
+                                  </p:childTnLst>
+                                </p:cTn>
+                              </p:par>
+                            </p:childTnLst>
+                          </p:cTn>
+                        </p:par>
+                      </p:childTnLst>
+                    </p:cTn>
+                  </p:par>
+                  <p:par>
+                    <p:cTn id="13" fill="hold">
+                      <p:stCondLst>
+                        <p:cond delay="indefinite"/>
+                      </p:stCondLst>
+                      <p:childTnLst>
+                        <p:par>
+                          <p:cTn id="14" fill="hold">
+                            <p:stCondLst>
+                              <p:cond delay="0"/>
+                            </p:stCondLst>
+                            <p:childTnLst>
+                              <p:par>
+                                <p:cTn id="15" presetID="10" presetClass="entr" presetSubtype="0" fill="hold" nodeType="clickEffect">
+                                  <p:stCondLst>
+                                    <p:cond delay="0"/>
+                                  </p:stCondLst>
+                                  <p:childTnLst>
+                                    <p:set>
+                                      <p:cBhvr>
+                                        <p:cTn id="16" dur="1" fill="hold">
+                                          <p:stCondLst>
+                                            <p:cond delay="0"/>
+                                          </p:stCondLst>
+                                        </p:cTn>
+                                        <p:tgtEl>
+                                          <p:spTgt spid="9">
+                                            <p:txEl>
+                                              <p:pRg st="2" end="2"/>
+                                            </p:txEl>
+                                          </p:spTgt>
+                                        </p:tgtEl>
+                                        <p:attrNameLst>
+                                          <p:attrName>style.visibility</p:attrName>
+                                        </p:attrNameLst>
+                                      </p:cBhvr>
+                                      <p:to>
+                                        <p:strVal val="visible"/>
+                                      </p:to>
+                                    </p:set>
+                                    <p:animEffect transition="in" filter="fade">
+                                      <p:cBhvr>
+                                        <p:cTn id="17" dur="500"/>
+                                        <p:tgtEl>
+                                          <p:spTgt spid="9">
+                                            <p:txEl>
+                                              <p:pRg st="2" end="2"/>
+                                            </p:txEl>
+                                          </p:spTgt>
+                                        </p:tgtEl>
+                                      </p:cBhvr>
+                                    </p:animEffect>
+                                  </p:childTnLst>
+                                </p:cTn>
+                              </p:par>
+                            </p:childTnLst>
+                          </p:cTn>
+                        </p:par>
+                      </p:childTnLst>
+                    </p:cTn>
+                  </p:par>
+                  <p:par>
+                    <p:cTn id="18" fill="hold">
+                      <p:stCondLst>
+                        <p:cond delay="indefinite"/>
+                      </p:stCondLst>
+                      <p:childTnLst>
+                        <p:par>
+                          <p:cTn id="19" fill="hold">
+                            <p:stCondLst>
+                              <p:cond delay="0"/>
+                            </p:stCondLst>
+                            <p:childTnLst>
+                              <p:par>
+                                <p:cTn id="20" presetID="10" presetClass="entr" presetSubtype="0" fill="hold" nodeType="clickEffect">
+                                  <p:stCondLst>
+                                    <p:cond delay="0"/>
+                                  </p:stCondLst>
+                                  <p:childTnLst>
+                                    <p:set>
+                                      <p:cBhvr>
+                                        <p:cTn id="21" dur="1" fill="hold">
+                                          <p:stCondLst>
+                                            <p:cond delay="0"/>
+                                          </p:stCondLst>
+                                        </p:cTn>
+                                        <p:tgtEl>
+                                          <p:spTgt spid="9">
+                                            <p:txEl>
+                                              <p:pRg st="3" end="3"/>
+                                            </p:txEl>
+                                          </p:spTgt>
+                                        </p:tgtEl>
+                                        <p:attrNameLst>
+                                          <p:attrName>style.visibility</p:attrName>
+                                        </p:attrNameLst>
+                                      </p:cBhvr>
+                                      <p:to>
+                                        <p:strVal val="visible"/>
+                                      </p:to>
+                                    </p:set>
+                                    <p:animEffect transition="in" filter="fade">
+                                      <p:cBhvr>
+                                        <p:cTn id="22" dur="500"/>
+                                        <p:tgtEl>
+                                          <p:spTgt spid="9">
+                                            <p:txEl>
+                                              <p:pRg st="3" end="3"/>
+                                            </p:txEl>
+                                          </p:spTgt>
+                                        </p:tgtEl>
+                                      </p:cBhvr>
+                                    </p:animEffect>
+                                  </p:childTnLst>
+                                </p:cTn>
+                              </p:par>
+                            </p:childTnLst>
+                          </p:cTn>
+                        </p:par>
+                      </p:childTnLst>
+                    </p:cTn>
+                  </p:par>
+                  <p:par>
+                    <p:cTn id="23" fill="hold">
+                      <p:stCondLst>
+                        <p:cond delay="indefinite"/>
+                      </p:stCondLst>
+                      <p:childTnLst>
+                        <p:par>
+                          <p:cTn id="24" fill="hold">
+                            <p:stCondLst>
+                              <p:cond delay="0"/>
+                            </p:stCondLst>
+                            <p:childTnLst>
+                              <p:par>
+                                <p:cTn id="25" presetID="10" presetClass="entr" presetSubtype="0" fill="hold" nodeType="clickEffect">
+                                  <p:stCondLst>
+                                    <p:cond delay="0"/>
+                                  </p:stCondLst>
+                                  <p:childTnLst>
+                                    <p:set>
+                                      <p:cBhvr>
+                                        <p:cTn id="26" dur="1" fill="hold">
+                                          <p:stCondLst>
+                                            <p:cond delay="0"/>
+                                          </p:stCondLst>
+                                        </p:cTn>
+                                        <p:tgtEl>
+                                          <p:spTgt spid="9">
+                                            <p:txEl>
+                                              <p:pRg st="4" end="4"/>
+                                            </p:txEl>
+                                          </p:spTgt>
+                                        </p:tgtEl>
+                                        <p:attrNameLst>
+                                          <p:attrName>style.visibility</p:attrName>
+                                        </p:attrNameLst>
+                                      </p:cBhvr>
+                                      <p:to>
+                                        <p:strVal val="visible"/>
+                                      </p:to>
+                                    </p:set>
+                                    <p:animEffect transition="in" filter="fade">
+                                      <p:cBhvr>
+                                        <p:cTn id="27" dur="500"/>
+                                        <p:tgtEl>
+                                          <p:spTgt spid="9">
+                                            <p:txEl>
+                                              <p:pRg st="4" end="4"/>
+                                            </p:txEl>
+                                          </p:spTgt>
+                                        </p:tgtEl>
+                                      </p:cBhvr>
+                                    </p:animEffect>
+                                  </p:childTnLst>
+                                </p:cTn>
+                              </p:par>
+                            </p:childTnLst>
+                          </p:cTn>
+                        </p:par>
+                      </p:childTnLst>
+                    </p:cTn>
+                  </p:par>
+                  <p:par>
+                    <p:cTn id="28" fill="hold">
+                      <p:stCondLst>
+                        <p:cond delay="indefinite"/>
+                      </p:stCondLst>
+                      <p:childTnLst>
+                        <p:par>
+                          <p:cTn id="29" fill="hold">
+                            <p:stCondLst>
+                              <p:cond delay="0"/>
+                            </p:stCondLst>
+                            <p:childTnLst>
+                              <p:par>
+                                <p:cTn id="30" presetID="10" presetClass="entr" presetSubtype="0" fill="hold" nodeType="clickEffect">
+                                  <p:stCondLst>
+                                    <p:cond delay="0"/>
+                                  </p:stCondLst>
+                                  <p:childTnLst>
+                                    <p:set>
+                                      <p:cBhvr>
+                                        <p:cTn id="31" dur="1" fill="hold">
+                                          <p:stCondLst>
+                                            <p:cond delay="0"/>
+                                          </p:stCondLst>
+                                        </p:cTn>
+                                        <p:tgtEl>
+                                          <p:spTgt spid="9">
+                                            <p:txEl>
+                                              <p:pRg st="5" end="5"/>
+                                            </p:txEl>
+                                          </p:spTgt>
+                                        </p:tgtEl>
+                                        <p:attrNameLst>
+                                          <p:attrName>style.visibility</p:attrName>
+                                        </p:attrNameLst>
+                                      </p:cBhvr>
+                                      <p:to>
+                                        <p:strVal val="visible"/>
+                                      </p:to>
+                                    </p:set>
+                                    <p:animEffect transition="in" filter="fade">
+                                      <p:cBhvr>
+                                        <p:cTn id="32" dur="500"/>
+                                        <p:tgtEl>
+                                          <p:spTgt spid="9">
+                                            <p:txEl>
+                                              <p:pRg st="5" end="5"/>
+                                            </p:txEl>
+                                          </p:spTgt>
+                                        </p:tgtEl>
+                                      </p:cBhvr>
+                                    </p:animEffect>
+                                  </p:childTnLst>
+                                </p:cTn>
+                              </p:par>
+                            </p:childTnLst>
+                          </p:cTn>
+                        </p:par>
+                      </p:childTnLst>
+                    </p:cTn>
+                  </p:par>
+                </p:childTnLst>
+              </p:cTn>
+              <p:prevCondLst>
+                <p:cond evt="onPrev" delay="0">
+                  <p:tgtEl>
+                    <p:sldTgt/>
+                  </p:tgtEl>
+                </p:cond>
+              </p:prevCondLst>
+              <p:nextCondLst>
+                <p:cond evt="onNext" delay="0">
+                  <p:tgtEl>
+                    <p:sldTgt/>
+                  </p:tgtEl>
+                </p:cond>
+              </p:nextCondLst>
+            </p:seq>
+          </p:childTnLst>
+        </p:cTn>
+      </p:par>
+    </p:tnLst>
+  </p:timing>
 </p:sld>
 </file>
 
@@ -8021,6 +9532,280 @@
   <p:clrMapOvr>
     <a:masterClrMapping/>
   </p:clrMapOvr>
+  <p:timing>
+    <p:tnLst>
+      <p:par>
+        <p:cTn id="1" dur="indefinite" restart="never" nodeType="tmRoot">
+          <p:childTnLst>
+            <p:seq concurrent="1" nextAc="seek">
+              <p:cTn id="2" dur="indefinite" nodeType="mainSeq">
+                <p:childTnLst>
+                  <p:par>
+                    <p:cTn id="3" fill="hold">
+                      <p:stCondLst>
+                        <p:cond delay="indefinite"/>
+                      </p:stCondLst>
+                      <p:childTnLst>
+                        <p:par>
+                          <p:cTn id="4" fill="hold">
+                            <p:stCondLst>
+                              <p:cond delay="0"/>
+                            </p:stCondLst>
+                            <p:childTnLst>
+                              <p:par>
+                                <p:cTn id="5" presetID="10" presetClass="entr" presetSubtype="0" fill="hold" nodeType="clickEffect">
+                                  <p:stCondLst>
+                                    <p:cond delay="0"/>
+                                  </p:stCondLst>
+                                  <p:childTnLst>
+                                    <p:set>
+                                      <p:cBhvr>
+                                        <p:cTn id="6" dur="1" fill="hold">
+                                          <p:stCondLst>
+                                            <p:cond delay="0"/>
+                                          </p:stCondLst>
+                                        </p:cTn>
+                                        <p:tgtEl>
+                                          <p:spTgt spid="27">
+                                            <p:txEl>
+                                              <p:pRg st="0" end="0"/>
+                                            </p:txEl>
+                                          </p:spTgt>
+                                        </p:tgtEl>
+                                        <p:attrNameLst>
+                                          <p:attrName>style.visibility</p:attrName>
+                                        </p:attrNameLst>
+                                      </p:cBhvr>
+                                      <p:to>
+                                        <p:strVal val="visible"/>
+                                      </p:to>
+                                    </p:set>
+                                    <p:animEffect transition="in" filter="fade">
+                                      <p:cBhvr>
+                                        <p:cTn id="7" dur="500"/>
+                                        <p:tgtEl>
+                                          <p:spTgt spid="27">
+                                            <p:txEl>
+                                              <p:pRg st="0" end="0"/>
+                                            </p:txEl>
+                                          </p:spTgt>
+                                        </p:tgtEl>
+                                      </p:cBhvr>
+                                    </p:animEffect>
+                                  </p:childTnLst>
+                                </p:cTn>
+                              </p:par>
+                            </p:childTnLst>
+                          </p:cTn>
+                        </p:par>
+                      </p:childTnLst>
+                    </p:cTn>
+                  </p:par>
+                  <p:par>
+                    <p:cTn id="8" fill="hold">
+                      <p:stCondLst>
+                        <p:cond delay="indefinite"/>
+                      </p:stCondLst>
+                      <p:childTnLst>
+                        <p:par>
+                          <p:cTn id="9" fill="hold">
+                            <p:stCondLst>
+                              <p:cond delay="0"/>
+                            </p:stCondLst>
+                            <p:childTnLst>
+                              <p:par>
+                                <p:cTn id="10" presetID="10" presetClass="entr" presetSubtype="0" fill="hold" nodeType="clickEffect">
+                                  <p:stCondLst>
+                                    <p:cond delay="0"/>
+                                  </p:stCondLst>
+                                  <p:childTnLst>
+                                    <p:set>
+                                      <p:cBhvr>
+                                        <p:cTn id="11" dur="1" fill="hold">
+                                          <p:stCondLst>
+                                            <p:cond delay="0"/>
+                                          </p:stCondLst>
+                                        </p:cTn>
+                                        <p:tgtEl>
+                                          <p:spTgt spid="27">
+                                            <p:txEl>
+                                              <p:pRg st="1" end="1"/>
+                                            </p:txEl>
+                                          </p:spTgt>
+                                        </p:tgtEl>
+                                        <p:attrNameLst>
+                                          <p:attrName>style.visibility</p:attrName>
+                                        </p:attrNameLst>
+                                      </p:cBhvr>
+                                      <p:to>
+                                        <p:strVal val="visible"/>
+                                      </p:to>
+                                    </p:set>
+                                    <p:animEffect transition="in" filter="fade">
+                                      <p:cBhvr>
+                                        <p:cTn id="12" dur="500"/>
+                                        <p:tgtEl>
+                                          <p:spTgt spid="27">
+                                            <p:txEl>
+                                              <p:pRg st="1" end="1"/>
+                                            </p:txEl>
+                                          </p:spTgt>
+                                        </p:tgtEl>
+                                      </p:cBhvr>
+                                    </p:animEffect>
+                                  </p:childTnLst>
+                                </p:cTn>
+                              </p:par>
+                            </p:childTnLst>
+                          </p:cTn>
+                        </p:par>
+                      </p:childTnLst>
+                    </p:cTn>
+                  </p:par>
+                  <p:par>
+                    <p:cTn id="13" fill="hold">
+                      <p:stCondLst>
+                        <p:cond delay="indefinite"/>
+                      </p:stCondLst>
+                      <p:childTnLst>
+                        <p:par>
+                          <p:cTn id="14" fill="hold">
+                            <p:stCondLst>
+                              <p:cond delay="0"/>
+                            </p:stCondLst>
+                            <p:childTnLst>
+                              <p:par>
+                                <p:cTn id="15" presetID="10" presetClass="entr" presetSubtype="0" fill="hold" nodeType="clickEffect">
+                                  <p:stCondLst>
+                                    <p:cond delay="0"/>
+                                  </p:stCondLst>
+                                  <p:childTnLst>
+                                    <p:set>
+                                      <p:cBhvr>
+                                        <p:cTn id="16" dur="1" fill="hold">
+                                          <p:stCondLst>
+                                            <p:cond delay="0"/>
+                                          </p:stCondLst>
+                                        </p:cTn>
+                                        <p:tgtEl>
+                                          <p:spTgt spid="27">
+                                            <p:txEl>
+                                              <p:pRg st="2" end="2"/>
+                                            </p:txEl>
+                                          </p:spTgt>
+                                        </p:tgtEl>
+                                        <p:attrNameLst>
+                                          <p:attrName>style.visibility</p:attrName>
+                                        </p:attrNameLst>
+                                      </p:cBhvr>
+                                      <p:to>
+                                        <p:strVal val="visible"/>
+                                      </p:to>
+                                    </p:set>
+                                    <p:animEffect transition="in" filter="fade">
+                                      <p:cBhvr>
+                                        <p:cTn id="17" dur="500"/>
+                                        <p:tgtEl>
+                                          <p:spTgt spid="27">
+                                            <p:txEl>
+                                              <p:pRg st="2" end="2"/>
+                                            </p:txEl>
+                                          </p:spTgt>
+                                        </p:tgtEl>
+                                      </p:cBhvr>
+                                    </p:animEffect>
+                                  </p:childTnLst>
+                                </p:cTn>
+                              </p:par>
+                            </p:childTnLst>
+                          </p:cTn>
+                        </p:par>
+                      </p:childTnLst>
+                    </p:cTn>
+                  </p:par>
+                  <p:par>
+                    <p:cTn id="18" fill="hold">
+                      <p:stCondLst>
+                        <p:cond delay="indefinite"/>
+                      </p:stCondLst>
+                      <p:childTnLst>
+                        <p:par>
+                          <p:cTn id="19" fill="hold">
+                            <p:stCondLst>
+                              <p:cond delay="0"/>
+                            </p:stCondLst>
+                            <p:childTnLst>
+                              <p:par>
+                                <p:cTn id="20" presetID="10" presetClass="entr" presetSubtype="0" fill="hold" nodeType="clickEffect">
+                                  <p:stCondLst>
+                                    <p:cond delay="0"/>
+                                  </p:stCondLst>
+                                  <p:childTnLst>
+                                    <p:set>
+                                      <p:cBhvr>
+                                        <p:cTn id="21" dur="1" fill="hold">
+                                          <p:stCondLst>
+                                            <p:cond delay="0"/>
+                                          </p:stCondLst>
+                                        </p:cTn>
+                                        <p:tgtEl>
+                                          <p:spTgt spid="27">
+                                            <p:txEl>
+                                              <p:pRg st="3" end="3"/>
+                                            </p:txEl>
+                                          </p:spTgt>
+                                        </p:tgtEl>
+                                        <p:attrNameLst>
+                                          <p:attrName>style.visibility</p:attrName>
+                                        </p:attrNameLst>
+                                      </p:cBhvr>
+                                      <p:to>
+                                        <p:strVal val="visible"/>
+                                      </p:to>
+                                    </p:set>
+                                    <p:animEffect transition="in" filter="fade">
+                                      <p:cBhvr>
+                                        <p:cTn id="22" dur="500"/>
+                                        <p:tgtEl>
+                                          <p:spTgt spid="27">
+                                            <p:txEl>
+                                              <p:pRg st="3" end="3"/>
+                                            </p:txEl>
+                                          </p:spTgt>
+                                        </p:tgtEl>
+                                      </p:cBhvr>
+                                    </p:animEffect>
+                                  </p:childTnLst>
+                                </p:cTn>
+                              </p:par>
+                            </p:childTnLst>
+                          </p:cTn>
+                        </p:par>
+                      </p:childTnLst>
+                    </p:cTn>
+                  </p:par>
+                </p:childTnLst>
+              </p:cTn>
+              <p:prevCondLst>
+                <p:cond evt="onPrev" delay="0">
+                  <p:tgtEl>
+                    <p:sldTgt/>
+                  </p:tgtEl>
+                </p:cond>
+              </p:prevCondLst>
+              <p:nextCondLst>
+                <p:cond evt="onNext" delay="0">
+                  <p:tgtEl>
+                    <p:sldTgt/>
+                  </p:tgtEl>
+                </p:cond>
+              </p:nextCondLst>
+            </p:seq>
+          </p:childTnLst>
+        </p:cTn>
+      </p:par>
+    </p:tnLst>
+  </p:timing>
 </p:sld>
 </file>
 
@@ -8927,6 +10712,341 @@
   <p:clrMapOvr>
     <a:masterClrMapping/>
   </p:clrMapOvr>
+  <p:timing>
+    <p:tnLst>
+      <p:par>
+        <p:cTn id="1" dur="indefinite" restart="never" nodeType="tmRoot">
+          <p:childTnLst>
+            <p:seq concurrent="1" nextAc="seek">
+              <p:cTn id="2" dur="indefinite" nodeType="mainSeq">
+                <p:childTnLst>
+                  <p:par>
+                    <p:cTn id="3" fill="hold">
+                      <p:stCondLst>
+                        <p:cond delay="indefinite"/>
+                      </p:stCondLst>
+                      <p:childTnLst>
+                        <p:par>
+                          <p:cTn id="4" fill="hold">
+                            <p:stCondLst>
+                              <p:cond delay="0"/>
+                            </p:stCondLst>
+                            <p:childTnLst>
+                              <p:par>
+                                <p:cTn id="5" presetID="10" presetClass="entr" presetSubtype="0" fill="hold" nodeType="clickEffect">
+                                  <p:stCondLst>
+                                    <p:cond delay="0"/>
+                                  </p:stCondLst>
+                                  <p:childTnLst>
+                                    <p:set>
+                                      <p:cBhvr>
+                                        <p:cTn id="6" dur="1" fill="hold">
+                                          <p:stCondLst>
+                                            <p:cond delay="0"/>
+                                          </p:stCondLst>
+                                        </p:cTn>
+                                        <p:tgtEl>
+                                          <p:spTgt spid="9">
+                                            <p:txEl>
+                                              <p:pRg st="0" end="0"/>
+                                            </p:txEl>
+                                          </p:spTgt>
+                                        </p:tgtEl>
+                                        <p:attrNameLst>
+                                          <p:attrName>style.visibility</p:attrName>
+                                        </p:attrNameLst>
+                                      </p:cBhvr>
+                                      <p:to>
+                                        <p:strVal val="visible"/>
+                                      </p:to>
+                                    </p:set>
+                                    <p:animEffect transition="in" filter="fade">
+                                      <p:cBhvr>
+                                        <p:cTn id="7" dur="500"/>
+                                        <p:tgtEl>
+                                          <p:spTgt spid="9">
+                                            <p:txEl>
+                                              <p:pRg st="0" end="0"/>
+                                            </p:txEl>
+                                          </p:spTgt>
+                                        </p:tgtEl>
+                                      </p:cBhvr>
+                                    </p:animEffect>
+                                  </p:childTnLst>
+                                </p:cTn>
+                              </p:par>
+                            </p:childTnLst>
+                          </p:cTn>
+                        </p:par>
+                      </p:childTnLst>
+                    </p:cTn>
+                  </p:par>
+                  <p:par>
+                    <p:cTn id="8" fill="hold">
+                      <p:stCondLst>
+                        <p:cond delay="indefinite"/>
+                      </p:stCondLst>
+                      <p:childTnLst>
+                        <p:par>
+                          <p:cTn id="9" fill="hold">
+                            <p:stCondLst>
+                              <p:cond delay="0"/>
+                            </p:stCondLst>
+                            <p:childTnLst>
+                              <p:par>
+                                <p:cTn id="10" presetID="10" presetClass="entr" presetSubtype="0" fill="hold" nodeType="clickEffect">
+                                  <p:stCondLst>
+                                    <p:cond delay="0"/>
+                                  </p:stCondLst>
+                                  <p:childTnLst>
+                                    <p:set>
+                                      <p:cBhvr>
+                                        <p:cTn id="11" dur="1" fill="hold">
+                                          <p:stCondLst>
+                                            <p:cond delay="0"/>
+                                          </p:stCondLst>
+                                        </p:cTn>
+                                        <p:tgtEl>
+                                          <p:spTgt spid="9">
+                                            <p:txEl>
+                                              <p:pRg st="1" end="1"/>
+                                            </p:txEl>
+                                          </p:spTgt>
+                                        </p:tgtEl>
+                                        <p:attrNameLst>
+                                          <p:attrName>style.visibility</p:attrName>
+                                        </p:attrNameLst>
+                                      </p:cBhvr>
+                                      <p:to>
+                                        <p:strVal val="visible"/>
+                                      </p:to>
+                                    </p:set>
+                                    <p:animEffect transition="in" filter="fade">
+                                      <p:cBhvr>
+                                        <p:cTn id="12" dur="500"/>
+                                        <p:tgtEl>
+                                          <p:spTgt spid="9">
+                                            <p:txEl>
+                                              <p:pRg st="1" end="1"/>
+                                            </p:txEl>
+                                          </p:spTgt>
+                                        </p:tgtEl>
+                                      </p:cBhvr>
+                                    </p:animEffect>
+                                  </p:childTnLst>
+                                </p:cTn>
+                              </p:par>
+                            </p:childTnLst>
+                          </p:cTn>
+                        </p:par>
+                      </p:childTnLst>
+                    </p:cTn>
+                  </p:par>
+                  <p:par>
+                    <p:cTn id="13" fill="hold">
+                      <p:stCondLst>
+                        <p:cond delay="indefinite"/>
+                      </p:stCondLst>
+                      <p:childTnLst>
+                        <p:par>
+                          <p:cTn id="14" fill="hold">
+                            <p:stCondLst>
+                              <p:cond delay="0"/>
+                            </p:stCondLst>
+                            <p:childTnLst>
+                              <p:par>
+                                <p:cTn id="15" presetID="10" presetClass="entr" presetSubtype="0" fill="hold" nodeType="clickEffect">
+                                  <p:stCondLst>
+                                    <p:cond delay="0"/>
+                                  </p:stCondLst>
+                                  <p:childTnLst>
+                                    <p:set>
+                                      <p:cBhvr>
+                                        <p:cTn id="16" dur="1" fill="hold">
+                                          <p:stCondLst>
+                                            <p:cond delay="0"/>
+                                          </p:stCondLst>
+                                        </p:cTn>
+                                        <p:tgtEl>
+                                          <p:spTgt spid="9">
+                                            <p:txEl>
+                                              <p:pRg st="2" end="2"/>
+                                            </p:txEl>
+                                          </p:spTgt>
+                                        </p:tgtEl>
+                                        <p:attrNameLst>
+                                          <p:attrName>style.visibility</p:attrName>
+                                        </p:attrNameLst>
+                                      </p:cBhvr>
+                                      <p:to>
+                                        <p:strVal val="visible"/>
+                                      </p:to>
+                                    </p:set>
+                                    <p:animEffect transition="in" filter="fade">
+                                      <p:cBhvr>
+                                        <p:cTn id="17" dur="500"/>
+                                        <p:tgtEl>
+                                          <p:spTgt spid="9">
+                                            <p:txEl>
+                                              <p:pRg st="2" end="2"/>
+                                            </p:txEl>
+                                          </p:spTgt>
+                                        </p:tgtEl>
+                                      </p:cBhvr>
+                                    </p:animEffect>
+                                  </p:childTnLst>
+                                </p:cTn>
+                              </p:par>
+                            </p:childTnLst>
+                          </p:cTn>
+                        </p:par>
+                      </p:childTnLst>
+                    </p:cTn>
+                  </p:par>
+                  <p:par>
+                    <p:cTn id="18" fill="hold">
+                      <p:stCondLst>
+                        <p:cond delay="indefinite"/>
+                      </p:stCondLst>
+                      <p:childTnLst>
+                        <p:par>
+                          <p:cTn id="19" fill="hold">
+                            <p:stCondLst>
+                              <p:cond delay="0"/>
+                            </p:stCondLst>
+                            <p:childTnLst>
+                              <p:par>
+                                <p:cTn id="20" presetID="10" presetClass="entr" presetSubtype="0" fill="hold" nodeType="clickEffect">
+                                  <p:stCondLst>
+                                    <p:cond delay="0"/>
+                                  </p:stCondLst>
+                                  <p:childTnLst>
+                                    <p:set>
+                                      <p:cBhvr>
+                                        <p:cTn id="21" dur="1" fill="hold">
+                                          <p:stCondLst>
+                                            <p:cond delay="0"/>
+                                          </p:stCondLst>
+                                        </p:cTn>
+                                        <p:tgtEl>
+                                          <p:spTgt spid="9">
+                                            <p:txEl>
+                                              <p:pRg st="3" end="3"/>
+                                            </p:txEl>
+                                          </p:spTgt>
+                                        </p:tgtEl>
+                                        <p:attrNameLst>
+                                          <p:attrName>style.visibility</p:attrName>
+                                        </p:attrNameLst>
+                                      </p:cBhvr>
+                                      <p:to>
+                                        <p:strVal val="visible"/>
+                                      </p:to>
+                                    </p:set>
+                                    <p:animEffect transition="in" filter="fade">
+                                      <p:cBhvr>
+                                        <p:cTn id="22" dur="500"/>
+                                        <p:tgtEl>
+                                          <p:spTgt spid="9">
+                                            <p:txEl>
+                                              <p:pRg st="3" end="3"/>
+                                            </p:txEl>
+                                          </p:spTgt>
+                                        </p:tgtEl>
+                                      </p:cBhvr>
+                                    </p:animEffect>
+                                  </p:childTnLst>
+                                </p:cTn>
+                              </p:par>
+                            </p:childTnLst>
+                          </p:cTn>
+                        </p:par>
+                      </p:childTnLst>
+                    </p:cTn>
+                  </p:par>
+                  <p:par>
+                    <p:cTn id="23" fill="hold">
+                      <p:stCondLst>
+                        <p:cond delay="indefinite"/>
+                      </p:stCondLst>
+                      <p:childTnLst>
+                        <p:par>
+                          <p:cTn id="24" fill="hold">
+                            <p:stCondLst>
+                              <p:cond delay="0"/>
+                            </p:stCondLst>
+                            <p:childTnLst>
+                              <p:par>
+                                <p:cTn id="25" presetID="10" presetClass="entr" presetSubtype="0" fill="hold" nodeType="clickEffect">
+                                  <p:stCondLst>
+                                    <p:cond delay="0"/>
+                                  </p:stCondLst>
+                                  <p:childTnLst>
+                                    <p:set>
+                                      <p:cBhvr>
+                                        <p:cTn id="26" dur="1" fill="hold">
+                                          <p:stCondLst>
+                                            <p:cond delay="0"/>
+                                          </p:stCondLst>
+                                        </p:cTn>
+                                        <p:tgtEl>
+                                          <p:spTgt spid="9">
+                                            <p:txEl>
+                                              <p:pRg st="4" end="4"/>
+                                            </p:txEl>
+                                          </p:spTgt>
+                                        </p:tgtEl>
+                                        <p:attrNameLst>
+                                          <p:attrName>style.visibility</p:attrName>
+                                        </p:attrNameLst>
+                                      </p:cBhvr>
+                                      <p:to>
+                                        <p:strVal val="visible"/>
+                                      </p:to>
+                                    </p:set>
+                                    <p:animEffect transition="in" filter="fade">
+                                      <p:cBhvr>
+                                        <p:cTn id="27" dur="500"/>
+                                        <p:tgtEl>
+                                          <p:spTgt spid="9">
+                                            <p:txEl>
+                                              <p:pRg st="4" end="4"/>
+                                            </p:txEl>
+                                          </p:spTgt>
+                                        </p:tgtEl>
+                                      </p:cBhvr>
+                                    </p:animEffect>
+                                  </p:childTnLst>
+                                </p:cTn>
+                              </p:par>
+                            </p:childTnLst>
+                          </p:cTn>
+                        </p:par>
+                      </p:childTnLst>
+                    </p:cTn>
+                  </p:par>
+                </p:childTnLst>
+              </p:cTn>
+              <p:prevCondLst>
+                <p:cond evt="onPrev" delay="0">
+                  <p:tgtEl>
+                    <p:sldTgt/>
+                  </p:tgtEl>
+                </p:cond>
+              </p:prevCondLst>
+              <p:nextCondLst>
+                <p:cond evt="onNext" delay="0">
+                  <p:tgtEl>
+                    <p:sldTgt/>
+                  </p:tgtEl>
+                </p:cond>
+              </p:nextCondLst>
+            </p:seq>
+          </p:childTnLst>
+        </p:cTn>
+      </p:par>
+    </p:tnLst>
+  </p:timing>
 </p:sld>
 </file>
 
@@ -9017,25 +11137,8 @@
                 <a:ea typeface="Roboto Light" panose="02000000000000000000" pitchFamily="2" charset="0"/>
                 <a:cs typeface="Roboto Light" panose="02000000000000000000" pitchFamily="2" charset="0"/>
               </a:rPr>
-              <a:t>Fluent Configuration </a:t>
+              <a:t>Fluent Configuration over Annotations</a:t>
             </a:r>
-            <a:r>
-              <a:rPr lang="en-US" sz="6600">
-                <a:solidFill>
-                  <a:schemeClr val="tx2"/>
-                </a:solidFill>
-                <a:ea typeface="Roboto Light" panose="02000000000000000000" pitchFamily="2" charset="0"/>
-                <a:cs typeface="Roboto Light" panose="02000000000000000000" pitchFamily="2" charset="0"/>
-              </a:rPr>
-              <a:t>over Annotations</a:t>
-            </a:r>
-            <a:endParaRPr lang="en-US" sz="6600" dirty="0">
-              <a:solidFill>
-                <a:schemeClr val="tx2"/>
-              </a:solidFill>
-              <a:ea typeface="Roboto Light" panose="02000000000000000000" pitchFamily="2" charset="0"/>
-              <a:cs typeface="Roboto Light" panose="02000000000000000000" pitchFamily="2" charset="0"/>
-            </a:endParaRPr>
           </a:p>
         </p:txBody>
       </p:sp>
@@ -9150,6 +11253,158 @@
   <p:clrMapOvr>
     <a:masterClrMapping/>
   </p:clrMapOvr>
+  <p:timing>
+    <p:tnLst>
+      <p:par>
+        <p:cTn id="1" dur="indefinite" restart="never" nodeType="tmRoot">
+          <p:childTnLst>
+            <p:seq concurrent="1" nextAc="seek">
+              <p:cTn id="2" dur="indefinite" nodeType="mainSeq">
+                <p:childTnLst>
+                  <p:par>
+                    <p:cTn id="3" fill="hold">
+                      <p:stCondLst>
+                        <p:cond delay="indefinite"/>
+                      </p:stCondLst>
+                      <p:childTnLst>
+                        <p:par>
+                          <p:cTn id="4" fill="hold">
+                            <p:stCondLst>
+                              <p:cond delay="0"/>
+                            </p:stCondLst>
+                            <p:childTnLst>
+                              <p:par>
+                                <p:cTn id="5" presetID="10" presetClass="entr" presetSubtype="0" fill="hold" nodeType="clickEffect">
+                                  <p:stCondLst>
+                                    <p:cond delay="0"/>
+                                  </p:stCondLst>
+                                  <p:childTnLst>
+                                    <p:set>
+                                      <p:cBhvr>
+                                        <p:cTn id="6" dur="1" fill="hold">
+                                          <p:stCondLst>
+                                            <p:cond delay="0"/>
+                                          </p:stCondLst>
+                                        </p:cTn>
+                                        <p:tgtEl>
+                                          <p:spTgt spid="27">
+                                            <p:txEl>
+                                              <p:pRg st="0" end="0"/>
+                                            </p:txEl>
+                                          </p:spTgt>
+                                        </p:tgtEl>
+                                        <p:attrNameLst>
+                                          <p:attrName>style.visibility</p:attrName>
+                                        </p:attrNameLst>
+                                      </p:cBhvr>
+                                      <p:to>
+                                        <p:strVal val="visible"/>
+                                      </p:to>
+                                    </p:set>
+                                    <p:animEffect transition="in" filter="fade">
+                                      <p:cBhvr>
+                                        <p:cTn id="7" dur="500"/>
+                                        <p:tgtEl>
+                                          <p:spTgt spid="27">
+                                            <p:txEl>
+                                              <p:pRg st="0" end="0"/>
+                                            </p:txEl>
+                                          </p:spTgt>
+                                        </p:tgtEl>
+                                      </p:cBhvr>
+                                    </p:animEffect>
+                                  </p:childTnLst>
+                                </p:cTn>
+                              </p:par>
+                            </p:childTnLst>
+                          </p:cTn>
+                        </p:par>
+                      </p:childTnLst>
+                    </p:cTn>
+                  </p:par>
+                  <p:par>
+                    <p:cTn id="8" fill="hold">
+                      <p:stCondLst>
+                        <p:cond delay="indefinite"/>
+                      </p:stCondLst>
+                      <p:childTnLst>
+                        <p:par>
+                          <p:cTn id="9" fill="hold">
+                            <p:stCondLst>
+                              <p:cond delay="0"/>
+                            </p:stCondLst>
+                            <p:childTnLst>
+                              <p:par>
+                                <p:cTn id="10" presetID="10" presetClass="entr" presetSubtype="0" fill="hold" nodeType="clickEffect">
+                                  <p:stCondLst>
+                                    <p:cond delay="0"/>
+                                  </p:stCondLst>
+                                  <p:childTnLst>
+                                    <p:set>
+                                      <p:cBhvr>
+                                        <p:cTn id="11" dur="1" fill="hold">
+                                          <p:stCondLst>
+                                            <p:cond delay="0"/>
+                                          </p:stCondLst>
+                                        </p:cTn>
+                                        <p:tgtEl>
+                                          <p:spTgt spid="27">
+                                            <p:txEl>
+                                              <p:pRg st="1" end="1"/>
+                                            </p:txEl>
+                                          </p:spTgt>
+                                        </p:tgtEl>
+                                        <p:attrNameLst>
+                                          <p:attrName>style.visibility</p:attrName>
+                                        </p:attrNameLst>
+                                      </p:cBhvr>
+                                      <p:to>
+                                        <p:strVal val="visible"/>
+                                      </p:to>
+                                    </p:set>
+                                    <p:animEffect transition="in" filter="fade">
+                                      <p:cBhvr>
+                                        <p:cTn id="12" dur="500"/>
+                                        <p:tgtEl>
+                                          <p:spTgt spid="27">
+                                            <p:txEl>
+                                              <p:pRg st="1" end="1"/>
+                                            </p:txEl>
+                                          </p:spTgt>
+                                        </p:tgtEl>
+                                      </p:cBhvr>
+                                    </p:animEffect>
+                                  </p:childTnLst>
+                                </p:cTn>
+                              </p:par>
+                            </p:childTnLst>
+                          </p:cTn>
+                        </p:par>
+                      </p:childTnLst>
+                    </p:cTn>
+                  </p:par>
+                </p:childTnLst>
+              </p:cTn>
+              <p:prevCondLst>
+                <p:cond evt="onPrev" delay="0">
+                  <p:tgtEl>
+                    <p:sldTgt/>
+                  </p:tgtEl>
+                </p:cond>
+              </p:prevCondLst>
+              <p:nextCondLst>
+                <p:cond evt="onNext" delay="0">
+                  <p:tgtEl>
+                    <p:sldTgt/>
+                  </p:tgtEl>
+                </p:cond>
+              </p:nextCondLst>
+            </p:seq>
+          </p:childTnLst>
+        </p:cTn>
+      </p:par>
+    </p:tnLst>
+  </p:timing>
 </p:sld>
 </file>
 
@@ -10022,6 +12277,262 @@
   <p:clrMapOvr>
     <a:masterClrMapping/>
   </p:clrMapOvr>
+  <p:timing>
+    <p:tnLst>
+      <p:par>
+        <p:cTn id="1" dur="indefinite" restart="never" nodeType="tmRoot">
+          <p:childTnLst>
+            <p:seq concurrent="1" nextAc="seek">
+              <p:cTn id="2" dur="indefinite" nodeType="mainSeq">
+                <p:childTnLst>
+                  <p:par>
+                    <p:cTn id="3" fill="hold">
+                      <p:stCondLst>
+                        <p:cond delay="indefinite"/>
+                      </p:stCondLst>
+                      <p:childTnLst>
+                        <p:par>
+                          <p:cTn id="4" fill="hold">
+                            <p:stCondLst>
+                              <p:cond delay="0"/>
+                            </p:stCondLst>
+                            <p:childTnLst>
+                              <p:par>
+                                <p:cTn id="5" presetID="10" presetClass="entr" presetSubtype="0" fill="hold" nodeType="clickEffect">
+                                  <p:stCondLst>
+                                    <p:cond delay="0"/>
+                                  </p:stCondLst>
+                                  <p:childTnLst>
+                                    <p:set>
+                                      <p:cBhvr>
+                                        <p:cTn id="6" dur="1" fill="hold">
+                                          <p:stCondLst>
+                                            <p:cond delay="0"/>
+                                          </p:stCondLst>
+                                        </p:cTn>
+                                        <p:tgtEl>
+                                          <p:spTgt spid="9">
+                                            <p:txEl>
+                                              <p:pRg st="0" end="0"/>
+                                            </p:txEl>
+                                          </p:spTgt>
+                                        </p:tgtEl>
+                                        <p:attrNameLst>
+                                          <p:attrName>style.visibility</p:attrName>
+                                        </p:attrNameLst>
+                                      </p:cBhvr>
+                                      <p:to>
+                                        <p:strVal val="visible"/>
+                                      </p:to>
+                                    </p:set>
+                                    <p:animEffect transition="in" filter="fade">
+                                      <p:cBhvr>
+                                        <p:cTn id="7" dur="500"/>
+                                        <p:tgtEl>
+                                          <p:spTgt spid="9">
+                                            <p:txEl>
+                                              <p:pRg st="0" end="0"/>
+                                            </p:txEl>
+                                          </p:spTgt>
+                                        </p:tgtEl>
+                                      </p:cBhvr>
+                                    </p:animEffect>
+                                  </p:childTnLst>
+                                </p:cTn>
+                              </p:par>
+                              <p:par>
+                                <p:cTn id="8" presetID="10" presetClass="entr" presetSubtype="0" fill="hold" nodeType="withEffect">
+                                  <p:stCondLst>
+                                    <p:cond delay="0"/>
+                                  </p:stCondLst>
+                                  <p:childTnLst>
+                                    <p:set>
+                                      <p:cBhvr>
+                                        <p:cTn id="9" dur="1" fill="hold">
+                                          <p:stCondLst>
+                                            <p:cond delay="0"/>
+                                          </p:stCondLst>
+                                        </p:cTn>
+                                        <p:tgtEl>
+                                          <p:spTgt spid="9">
+                                            <p:txEl>
+                                              <p:pRg st="1" end="1"/>
+                                            </p:txEl>
+                                          </p:spTgt>
+                                        </p:tgtEl>
+                                        <p:attrNameLst>
+                                          <p:attrName>style.visibility</p:attrName>
+                                        </p:attrNameLst>
+                                      </p:cBhvr>
+                                      <p:to>
+                                        <p:strVal val="visible"/>
+                                      </p:to>
+                                    </p:set>
+                                    <p:animEffect transition="in" filter="fade">
+                                      <p:cBhvr>
+                                        <p:cTn id="10" dur="500"/>
+                                        <p:tgtEl>
+                                          <p:spTgt spid="9">
+                                            <p:txEl>
+                                              <p:pRg st="1" end="1"/>
+                                            </p:txEl>
+                                          </p:spTgt>
+                                        </p:tgtEl>
+                                      </p:cBhvr>
+                                    </p:animEffect>
+                                  </p:childTnLst>
+                                </p:cTn>
+                              </p:par>
+                            </p:childTnLst>
+                          </p:cTn>
+                        </p:par>
+                      </p:childTnLst>
+                    </p:cTn>
+                  </p:par>
+                  <p:par>
+                    <p:cTn id="11" fill="hold">
+                      <p:stCondLst>
+                        <p:cond delay="indefinite"/>
+                      </p:stCondLst>
+                      <p:childTnLst>
+                        <p:par>
+                          <p:cTn id="12" fill="hold">
+                            <p:stCondLst>
+                              <p:cond delay="0"/>
+                            </p:stCondLst>
+                            <p:childTnLst>
+                              <p:par>
+                                <p:cTn id="13" presetID="10" presetClass="entr" presetSubtype="0" fill="hold" nodeType="clickEffect">
+                                  <p:stCondLst>
+                                    <p:cond delay="0"/>
+                                  </p:stCondLst>
+                                  <p:childTnLst>
+                                    <p:set>
+                                      <p:cBhvr>
+                                        <p:cTn id="14" dur="1" fill="hold">
+                                          <p:stCondLst>
+                                            <p:cond delay="0"/>
+                                          </p:stCondLst>
+                                        </p:cTn>
+                                        <p:tgtEl>
+                                          <p:spTgt spid="9">
+                                            <p:txEl>
+                                              <p:pRg st="2" end="2"/>
+                                            </p:txEl>
+                                          </p:spTgt>
+                                        </p:tgtEl>
+                                        <p:attrNameLst>
+                                          <p:attrName>style.visibility</p:attrName>
+                                        </p:attrNameLst>
+                                      </p:cBhvr>
+                                      <p:to>
+                                        <p:strVal val="visible"/>
+                                      </p:to>
+                                    </p:set>
+                                    <p:animEffect transition="in" filter="fade">
+                                      <p:cBhvr>
+                                        <p:cTn id="15" dur="500"/>
+                                        <p:tgtEl>
+                                          <p:spTgt spid="9">
+                                            <p:txEl>
+                                              <p:pRg st="2" end="2"/>
+                                            </p:txEl>
+                                          </p:spTgt>
+                                        </p:tgtEl>
+                                      </p:cBhvr>
+                                    </p:animEffect>
+                                  </p:childTnLst>
+                                </p:cTn>
+                              </p:par>
+                            </p:childTnLst>
+                          </p:cTn>
+                        </p:par>
+                      </p:childTnLst>
+                    </p:cTn>
+                  </p:par>
+                  <p:par>
+                    <p:cTn id="16" fill="hold">
+                      <p:stCondLst>
+                        <p:cond delay="indefinite"/>
+                      </p:stCondLst>
+                      <p:childTnLst>
+                        <p:par>
+                          <p:cTn id="17" fill="hold">
+                            <p:stCondLst>
+                              <p:cond delay="0"/>
+                            </p:stCondLst>
+                            <p:childTnLst>
+                              <p:par>
+                                <p:cTn id="18" presetID="10" presetClass="entr" presetSubtype="0" fill="hold" nodeType="clickEffect">
+                                  <p:stCondLst>
+                                    <p:cond delay="0"/>
+                                  </p:stCondLst>
+                                  <p:childTnLst>
+                                    <p:set>
+                                      <p:cBhvr>
+                                        <p:cTn id="19" dur="1" fill="hold">
+                                          <p:stCondLst>
+                                            <p:cond delay="0"/>
+                                          </p:stCondLst>
+                                        </p:cTn>
+                                        <p:tgtEl>
+                                          <p:spTgt spid="9">
+                                            <p:txEl>
+                                              <p:pRg st="3" end="3"/>
+                                            </p:txEl>
+                                          </p:spTgt>
+                                        </p:tgtEl>
+                                        <p:attrNameLst>
+                                          <p:attrName>style.visibility</p:attrName>
+                                        </p:attrNameLst>
+                                      </p:cBhvr>
+                                      <p:to>
+                                        <p:strVal val="visible"/>
+                                      </p:to>
+                                    </p:set>
+                                    <p:animEffect transition="in" filter="fade">
+                                      <p:cBhvr>
+                                        <p:cTn id="20" dur="500"/>
+                                        <p:tgtEl>
+                                          <p:spTgt spid="9">
+                                            <p:txEl>
+                                              <p:pRg st="3" end="3"/>
+                                            </p:txEl>
+                                          </p:spTgt>
+                                        </p:tgtEl>
+                                      </p:cBhvr>
+                                    </p:animEffect>
+                                  </p:childTnLst>
+                                </p:cTn>
+                              </p:par>
+                            </p:childTnLst>
+                          </p:cTn>
+                        </p:par>
+                      </p:childTnLst>
+                    </p:cTn>
+                  </p:par>
+                </p:childTnLst>
+              </p:cTn>
+              <p:prevCondLst>
+                <p:cond evt="onPrev" delay="0">
+                  <p:tgtEl>
+                    <p:sldTgt/>
+                  </p:tgtEl>
+                </p:cond>
+              </p:prevCondLst>
+              <p:nextCondLst>
+                <p:cond evt="onNext" delay="0">
+                  <p:tgtEl>
+                    <p:sldTgt/>
+                  </p:tgtEl>
+                </p:cond>
+              </p:nextCondLst>
+            </p:seq>
+          </p:childTnLst>
+        </p:cTn>
+      </p:par>
+    </p:tnLst>
+  </p:timing>
 </p:sld>
 </file>
 
@@ -10842,6 +13353,158 @@
   <p:clrMapOvr>
     <a:masterClrMapping/>
   </p:clrMapOvr>
+  <p:timing>
+    <p:tnLst>
+      <p:par>
+        <p:cTn id="1" dur="indefinite" restart="never" nodeType="tmRoot">
+          <p:childTnLst>
+            <p:seq concurrent="1" nextAc="seek">
+              <p:cTn id="2" dur="indefinite" nodeType="mainSeq">
+                <p:childTnLst>
+                  <p:par>
+                    <p:cTn id="3" fill="hold">
+                      <p:stCondLst>
+                        <p:cond delay="indefinite"/>
+                      </p:stCondLst>
+                      <p:childTnLst>
+                        <p:par>
+                          <p:cTn id="4" fill="hold">
+                            <p:stCondLst>
+                              <p:cond delay="0"/>
+                            </p:stCondLst>
+                            <p:childTnLst>
+                              <p:par>
+                                <p:cTn id="5" presetID="10" presetClass="entr" presetSubtype="0" fill="hold" nodeType="clickEffect">
+                                  <p:stCondLst>
+                                    <p:cond delay="0"/>
+                                  </p:stCondLst>
+                                  <p:childTnLst>
+                                    <p:set>
+                                      <p:cBhvr>
+                                        <p:cTn id="6" dur="1" fill="hold">
+                                          <p:stCondLst>
+                                            <p:cond delay="0"/>
+                                          </p:stCondLst>
+                                        </p:cTn>
+                                        <p:tgtEl>
+                                          <p:spTgt spid="27">
+                                            <p:txEl>
+                                              <p:pRg st="0" end="0"/>
+                                            </p:txEl>
+                                          </p:spTgt>
+                                        </p:tgtEl>
+                                        <p:attrNameLst>
+                                          <p:attrName>style.visibility</p:attrName>
+                                        </p:attrNameLst>
+                                      </p:cBhvr>
+                                      <p:to>
+                                        <p:strVal val="visible"/>
+                                      </p:to>
+                                    </p:set>
+                                    <p:animEffect transition="in" filter="fade">
+                                      <p:cBhvr>
+                                        <p:cTn id="7" dur="500"/>
+                                        <p:tgtEl>
+                                          <p:spTgt spid="27">
+                                            <p:txEl>
+                                              <p:pRg st="0" end="0"/>
+                                            </p:txEl>
+                                          </p:spTgt>
+                                        </p:tgtEl>
+                                      </p:cBhvr>
+                                    </p:animEffect>
+                                  </p:childTnLst>
+                                </p:cTn>
+                              </p:par>
+                            </p:childTnLst>
+                          </p:cTn>
+                        </p:par>
+                      </p:childTnLst>
+                    </p:cTn>
+                  </p:par>
+                  <p:par>
+                    <p:cTn id="8" fill="hold">
+                      <p:stCondLst>
+                        <p:cond delay="indefinite"/>
+                      </p:stCondLst>
+                      <p:childTnLst>
+                        <p:par>
+                          <p:cTn id="9" fill="hold">
+                            <p:stCondLst>
+                              <p:cond delay="0"/>
+                            </p:stCondLst>
+                            <p:childTnLst>
+                              <p:par>
+                                <p:cTn id="10" presetID="10" presetClass="entr" presetSubtype="0" fill="hold" nodeType="clickEffect">
+                                  <p:stCondLst>
+                                    <p:cond delay="0"/>
+                                  </p:stCondLst>
+                                  <p:childTnLst>
+                                    <p:set>
+                                      <p:cBhvr>
+                                        <p:cTn id="11" dur="1" fill="hold">
+                                          <p:stCondLst>
+                                            <p:cond delay="0"/>
+                                          </p:stCondLst>
+                                        </p:cTn>
+                                        <p:tgtEl>
+                                          <p:spTgt spid="27">
+                                            <p:txEl>
+                                              <p:pRg st="1" end="1"/>
+                                            </p:txEl>
+                                          </p:spTgt>
+                                        </p:tgtEl>
+                                        <p:attrNameLst>
+                                          <p:attrName>style.visibility</p:attrName>
+                                        </p:attrNameLst>
+                                      </p:cBhvr>
+                                      <p:to>
+                                        <p:strVal val="visible"/>
+                                      </p:to>
+                                    </p:set>
+                                    <p:animEffect transition="in" filter="fade">
+                                      <p:cBhvr>
+                                        <p:cTn id="12" dur="500"/>
+                                        <p:tgtEl>
+                                          <p:spTgt spid="27">
+                                            <p:txEl>
+                                              <p:pRg st="1" end="1"/>
+                                            </p:txEl>
+                                          </p:spTgt>
+                                        </p:tgtEl>
+                                      </p:cBhvr>
+                                    </p:animEffect>
+                                  </p:childTnLst>
+                                </p:cTn>
+                              </p:par>
+                            </p:childTnLst>
+                          </p:cTn>
+                        </p:par>
+                      </p:childTnLst>
+                    </p:cTn>
+                  </p:par>
+                </p:childTnLst>
+              </p:cTn>
+              <p:prevCondLst>
+                <p:cond evt="onPrev" delay="0">
+                  <p:tgtEl>
+                    <p:sldTgt/>
+                  </p:tgtEl>
+                </p:cond>
+              </p:prevCondLst>
+              <p:nextCondLst>
+                <p:cond evt="onNext" delay="0">
+                  <p:tgtEl>
+                    <p:sldTgt/>
+                  </p:tgtEl>
+                </p:cond>
+              </p:nextCondLst>
+            </p:seq>
+          </p:childTnLst>
+        </p:cTn>
+      </p:par>
+    </p:tnLst>
+  </p:timing>
 </p:sld>
 </file>
 
@@ -11841,6 +14504,606 @@
   <p:clrMapOvr>
     <a:masterClrMapping/>
   </p:clrMapOvr>
+  <p:timing>
+    <p:tnLst>
+      <p:par>
+        <p:cTn id="1" dur="indefinite" restart="never" nodeType="tmRoot">
+          <p:childTnLst>
+            <p:seq concurrent="1" nextAc="seek">
+              <p:cTn id="2" dur="indefinite" nodeType="mainSeq">
+                <p:childTnLst>
+                  <p:par>
+                    <p:cTn id="3" fill="hold">
+                      <p:stCondLst>
+                        <p:cond delay="indefinite"/>
+                      </p:stCondLst>
+                      <p:childTnLst>
+                        <p:par>
+                          <p:cTn id="4" fill="hold">
+                            <p:stCondLst>
+                              <p:cond delay="0"/>
+                            </p:stCondLst>
+                            <p:childTnLst>
+                              <p:par>
+                                <p:cTn id="5" presetID="10" presetClass="entr" presetSubtype="0" fill="hold" nodeType="clickEffect">
+                                  <p:stCondLst>
+                                    <p:cond delay="0"/>
+                                  </p:stCondLst>
+                                  <p:childTnLst>
+                                    <p:set>
+                                      <p:cBhvr>
+                                        <p:cTn id="6" dur="1" fill="hold">
+                                          <p:stCondLst>
+                                            <p:cond delay="0"/>
+                                          </p:stCondLst>
+                                        </p:cTn>
+                                        <p:tgtEl>
+                                          <p:spTgt spid="9">
+                                            <p:txEl>
+                                              <p:pRg st="0" end="0"/>
+                                            </p:txEl>
+                                          </p:spTgt>
+                                        </p:tgtEl>
+                                        <p:attrNameLst>
+                                          <p:attrName>style.visibility</p:attrName>
+                                        </p:attrNameLst>
+                                      </p:cBhvr>
+                                      <p:to>
+                                        <p:strVal val="visible"/>
+                                      </p:to>
+                                    </p:set>
+                                    <p:animEffect transition="in" filter="fade">
+                                      <p:cBhvr>
+                                        <p:cTn id="7" dur="500"/>
+                                        <p:tgtEl>
+                                          <p:spTgt spid="9">
+                                            <p:txEl>
+                                              <p:pRg st="0" end="0"/>
+                                            </p:txEl>
+                                          </p:spTgt>
+                                        </p:tgtEl>
+                                      </p:cBhvr>
+                                    </p:animEffect>
+                                  </p:childTnLst>
+                                </p:cTn>
+                              </p:par>
+                              <p:par>
+                                <p:cTn id="8" presetID="10" presetClass="entr" presetSubtype="0" fill="hold" nodeType="withEffect">
+                                  <p:stCondLst>
+                                    <p:cond delay="0"/>
+                                  </p:stCondLst>
+                                  <p:childTnLst>
+                                    <p:set>
+                                      <p:cBhvr>
+                                        <p:cTn id="9" dur="1" fill="hold">
+                                          <p:stCondLst>
+                                            <p:cond delay="0"/>
+                                          </p:stCondLst>
+                                        </p:cTn>
+                                        <p:tgtEl>
+                                          <p:spTgt spid="9">
+                                            <p:txEl>
+                                              <p:pRg st="1" end="1"/>
+                                            </p:txEl>
+                                          </p:spTgt>
+                                        </p:tgtEl>
+                                        <p:attrNameLst>
+                                          <p:attrName>style.visibility</p:attrName>
+                                        </p:attrNameLst>
+                                      </p:cBhvr>
+                                      <p:to>
+                                        <p:strVal val="visible"/>
+                                      </p:to>
+                                    </p:set>
+                                    <p:animEffect transition="in" filter="fade">
+                                      <p:cBhvr>
+                                        <p:cTn id="10" dur="500"/>
+                                        <p:tgtEl>
+                                          <p:spTgt spid="9">
+                                            <p:txEl>
+                                              <p:pRg st="1" end="1"/>
+                                            </p:txEl>
+                                          </p:spTgt>
+                                        </p:tgtEl>
+                                      </p:cBhvr>
+                                    </p:animEffect>
+                                  </p:childTnLst>
+                                </p:cTn>
+                              </p:par>
+                              <p:par>
+                                <p:cTn id="11" presetID="10" presetClass="entr" presetSubtype="0" fill="hold" nodeType="withEffect">
+                                  <p:stCondLst>
+                                    <p:cond delay="0"/>
+                                  </p:stCondLst>
+                                  <p:childTnLst>
+                                    <p:set>
+                                      <p:cBhvr>
+                                        <p:cTn id="12" dur="1" fill="hold">
+                                          <p:stCondLst>
+                                            <p:cond delay="0"/>
+                                          </p:stCondLst>
+                                        </p:cTn>
+                                        <p:tgtEl>
+                                          <p:spTgt spid="9">
+                                            <p:txEl>
+                                              <p:pRg st="2" end="2"/>
+                                            </p:txEl>
+                                          </p:spTgt>
+                                        </p:tgtEl>
+                                        <p:attrNameLst>
+                                          <p:attrName>style.visibility</p:attrName>
+                                        </p:attrNameLst>
+                                      </p:cBhvr>
+                                      <p:to>
+                                        <p:strVal val="visible"/>
+                                      </p:to>
+                                    </p:set>
+                                    <p:animEffect transition="in" filter="fade">
+                                      <p:cBhvr>
+                                        <p:cTn id="13" dur="500"/>
+                                        <p:tgtEl>
+                                          <p:spTgt spid="9">
+                                            <p:txEl>
+                                              <p:pRg st="2" end="2"/>
+                                            </p:txEl>
+                                          </p:spTgt>
+                                        </p:tgtEl>
+                                      </p:cBhvr>
+                                    </p:animEffect>
+                                  </p:childTnLst>
+                                </p:cTn>
+                              </p:par>
+                              <p:par>
+                                <p:cTn id="14" presetID="10" presetClass="entr" presetSubtype="0" fill="hold" nodeType="withEffect">
+                                  <p:stCondLst>
+                                    <p:cond delay="0"/>
+                                  </p:stCondLst>
+                                  <p:childTnLst>
+                                    <p:set>
+                                      <p:cBhvr>
+                                        <p:cTn id="15" dur="1" fill="hold">
+                                          <p:stCondLst>
+                                            <p:cond delay="0"/>
+                                          </p:stCondLst>
+                                        </p:cTn>
+                                        <p:tgtEl>
+                                          <p:spTgt spid="9">
+                                            <p:txEl>
+                                              <p:pRg st="3" end="3"/>
+                                            </p:txEl>
+                                          </p:spTgt>
+                                        </p:tgtEl>
+                                        <p:attrNameLst>
+                                          <p:attrName>style.visibility</p:attrName>
+                                        </p:attrNameLst>
+                                      </p:cBhvr>
+                                      <p:to>
+                                        <p:strVal val="visible"/>
+                                      </p:to>
+                                    </p:set>
+                                    <p:animEffect transition="in" filter="fade">
+                                      <p:cBhvr>
+                                        <p:cTn id="16" dur="500"/>
+                                        <p:tgtEl>
+                                          <p:spTgt spid="9">
+                                            <p:txEl>
+                                              <p:pRg st="3" end="3"/>
+                                            </p:txEl>
+                                          </p:spTgt>
+                                        </p:tgtEl>
+                                      </p:cBhvr>
+                                    </p:animEffect>
+                                  </p:childTnLst>
+                                </p:cTn>
+                              </p:par>
+                            </p:childTnLst>
+                          </p:cTn>
+                        </p:par>
+                      </p:childTnLst>
+                    </p:cTn>
+                  </p:par>
+                  <p:par>
+                    <p:cTn id="17" fill="hold">
+                      <p:stCondLst>
+                        <p:cond delay="indefinite"/>
+                      </p:stCondLst>
+                      <p:childTnLst>
+                        <p:par>
+                          <p:cTn id="18" fill="hold">
+                            <p:stCondLst>
+                              <p:cond delay="0"/>
+                            </p:stCondLst>
+                            <p:childTnLst>
+                              <p:par>
+                                <p:cTn id="19" presetID="10" presetClass="entr" presetSubtype="0" fill="hold" nodeType="clickEffect">
+                                  <p:stCondLst>
+                                    <p:cond delay="0"/>
+                                  </p:stCondLst>
+                                  <p:childTnLst>
+                                    <p:set>
+                                      <p:cBhvr>
+                                        <p:cTn id="20" dur="1" fill="hold">
+                                          <p:stCondLst>
+                                            <p:cond delay="0"/>
+                                          </p:stCondLst>
+                                        </p:cTn>
+                                        <p:tgtEl>
+                                          <p:spTgt spid="9">
+                                            <p:txEl>
+                                              <p:pRg st="4" end="4"/>
+                                            </p:txEl>
+                                          </p:spTgt>
+                                        </p:tgtEl>
+                                        <p:attrNameLst>
+                                          <p:attrName>style.visibility</p:attrName>
+                                        </p:attrNameLst>
+                                      </p:cBhvr>
+                                      <p:to>
+                                        <p:strVal val="visible"/>
+                                      </p:to>
+                                    </p:set>
+                                    <p:animEffect transition="in" filter="fade">
+                                      <p:cBhvr>
+                                        <p:cTn id="21" dur="500"/>
+                                        <p:tgtEl>
+                                          <p:spTgt spid="9">
+                                            <p:txEl>
+                                              <p:pRg st="4" end="4"/>
+                                            </p:txEl>
+                                          </p:spTgt>
+                                        </p:tgtEl>
+                                      </p:cBhvr>
+                                    </p:animEffect>
+                                  </p:childTnLst>
+                                </p:cTn>
+                              </p:par>
+                              <p:par>
+                                <p:cTn id="22" presetID="10" presetClass="entr" presetSubtype="0" fill="hold" nodeType="withEffect">
+                                  <p:stCondLst>
+                                    <p:cond delay="0"/>
+                                  </p:stCondLst>
+                                  <p:childTnLst>
+                                    <p:set>
+                                      <p:cBhvr>
+                                        <p:cTn id="23" dur="1" fill="hold">
+                                          <p:stCondLst>
+                                            <p:cond delay="0"/>
+                                          </p:stCondLst>
+                                        </p:cTn>
+                                        <p:tgtEl>
+                                          <p:spTgt spid="9">
+                                            <p:txEl>
+                                              <p:pRg st="5" end="5"/>
+                                            </p:txEl>
+                                          </p:spTgt>
+                                        </p:tgtEl>
+                                        <p:attrNameLst>
+                                          <p:attrName>style.visibility</p:attrName>
+                                        </p:attrNameLst>
+                                      </p:cBhvr>
+                                      <p:to>
+                                        <p:strVal val="visible"/>
+                                      </p:to>
+                                    </p:set>
+                                    <p:animEffect transition="in" filter="fade">
+                                      <p:cBhvr>
+                                        <p:cTn id="24" dur="500"/>
+                                        <p:tgtEl>
+                                          <p:spTgt spid="9">
+                                            <p:txEl>
+                                              <p:pRg st="5" end="5"/>
+                                            </p:txEl>
+                                          </p:spTgt>
+                                        </p:tgtEl>
+                                      </p:cBhvr>
+                                    </p:animEffect>
+                                  </p:childTnLst>
+                                </p:cTn>
+                              </p:par>
+                              <p:par>
+                                <p:cTn id="25" presetID="10" presetClass="entr" presetSubtype="0" fill="hold" nodeType="withEffect">
+                                  <p:stCondLst>
+                                    <p:cond delay="0"/>
+                                  </p:stCondLst>
+                                  <p:childTnLst>
+                                    <p:set>
+                                      <p:cBhvr>
+                                        <p:cTn id="26" dur="1" fill="hold">
+                                          <p:stCondLst>
+                                            <p:cond delay="0"/>
+                                          </p:stCondLst>
+                                        </p:cTn>
+                                        <p:tgtEl>
+                                          <p:spTgt spid="9">
+                                            <p:txEl>
+                                              <p:pRg st="6" end="6"/>
+                                            </p:txEl>
+                                          </p:spTgt>
+                                        </p:tgtEl>
+                                        <p:attrNameLst>
+                                          <p:attrName>style.visibility</p:attrName>
+                                        </p:attrNameLst>
+                                      </p:cBhvr>
+                                      <p:to>
+                                        <p:strVal val="visible"/>
+                                      </p:to>
+                                    </p:set>
+                                    <p:animEffect transition="in" filter="fade">
+                                      <p:cBhvr>
+                                        <p:cTn id="27" dur="500"/>
+                                        <p:tgtEl>
+                                          <p:spTgt spid="9">
+                                            <p:txEl>
+                                              <p:pRg st="6" end="6"/>
+                                            </p:txEl>
+                                          </p:spTgt>
+                                        </p:tgtEl>
+                                      </p:cBhvr>
+                                    </p:animEffect>
+                                  </p:childTnLst>
+                                </p:cTn>
+                              </p:par>
+                              <p:par>
+                                <p:cTn id="28" presetID="10" presetClass="entr" presetSubtype="0" fill="hold" nodeType="withEffect">
+                                  <p:stCondLst>
+                                    <p:cond delay="0"/>
+                                  </p:stCondLst>
+                                  <p:childTnLst>
+                                    <p:set>
+                                      <p:cBhvr>
+                                        <p:cTn id="29" dur="1" fill="hold">
+                                          <p:stCondLst>
+                                            <p:cond delay="0"/>
+                                          </p:stCondLst>
+                                        </p:cTn>
+                                        <p:tgtEl>
+                                          <p:spTgt spid="9">
+                                            <p:txEl>
+                                              <p:pRg st="7" end="7"/>
+                                            </p:txEl>
+                                          </p:spTgt>
+                                        </p:tgtEl>
+                                        <p:attrNameLst>
+                                          <p:attrName>style.visibility</p:attrName>
+                                        </p:attrNameLst>
+                                      </p:cBhvr>
+                                      <p:to>
+                                        <p:strVal val="visible"/>
+                                      </p:to>
+                                    </p:set>
+                                    <p:animEffect transition="in" filter="fade">
+                                      <p:cBhvr>
+                                        <p:cTn id="30" dur="500"/>
+                                        <p:tgtEl>
+                                          <p:spTgt spid="9">
+                                            <p:txEl>
+                                              <p:pRg st="7" end="7"/>
+                                            </p:txEl>
+                                          </p:spTgt>
+                                        </p:tgtEl>
+                                      </p:cBhvr>
+                                    </p:animEffect>
+                                  </p:childTnLst>
+                                </p:cTn>
+                              </p:par>
+                            </p:childTnLst>
+                          </p:cTn>
+                        </p:par>
+                      </p:childTnLst>
+                    </p:cTn>
+                  </p:par>
+                  <p:par>
+                    <p:cTn id="31" fill="hold">
+                      <p:stCondLst>
+                        <p:cond delay="indefinite"/>
+                      </p:stCondLst>
+                      <p:childTnLst>
+                        <p:par>
+                          <p:cTn id="32" fill="hold">
+                            <p:stCondLst>
+                              <p:cond delay="0"/>
+                            </p:stCondLst>
+                            <p:childTnLst>
+                              <p:par>
+                                <p:cTn id="33" presetID="10" presetClass="entr" presetSubtype="0" fill="hold" nodeType="clickEffect">
+                                  <p:stCondLst>
+                                    <p:cond delay="0"/>
+                                  </p:stCondLst>
+                                  <p:childTnLst>
+                                    <p:set>
+                                      <p:cBhvr>
+                                        <p:cTn id="34" dur="1" fill="hold">
+                                          <p:stCondLst>
+                                            <p:cond delay="0"/>
+                                          </p:stCondLst>
+                                        </p:cTn>
+                                        <p:tgtEl>
+                                          <p:spTgt spid="9">
+                                            <p:txEl>
+                                              <p:pRg st="8" end="8"/>
+                                            </p:txEl>
+                                          </p:spTgt>
+                                        </p:tgtEl>
+                                        <p:attrNameLst>
+                                          <p:attrName>style.visibility</p:attrName>
+                                        </p:attrNameLst>
+                                      </p:cBhvr>
+                                      <p:to>
+                                        <p:strVal val="visible"/>
+                                      </p:to>
+                                    </p:set>
+                                    <p:animEffect transition="in" filter="fade">
+                                      <p:cBhvr>
+                                        <p:cTn id="35" dur="500"/>
+                                        <p:tgtEl>
+                                          <p:spTgt spid="9">
+                                            <p:txEl>
+                                              <p:pRg st="8" end="8"/>
+                                            </p:txEl>
+                                          </p:spTgt>
+                                        </p:tgtEl>
+                                      </p:cBhvr>
+                                    </p:animEffect>
+                                  </p:childTnLst>
+                                </p:cTn>
+                              </p:par>
+                              <p:par>
+                                <p:cTn id="36" presetID="10" presetClass="entr" presetSubtype="0" fill="hold" nodeType="withEffect">
+                                  <p:stCondLst>
+                                    <p:cond delay="0"/>
+                                  </p:stCondLst>
+                                  <p:childTnLst>
+                                    <p:set>
+                                      <p:cBhvr>
+                                        <p:cTn id="37" dur="1" fill="hold">
+                                          <p:stCondLst>
+                                            <p:cond delay="0"/>
+                                          </p:stCondLst>
+                                        </p:cTn>
+                                        <p:tgtEl>
+                                          <p:spTgt spid="9">
+                                            <p:txEl>
+                                              <p:pRg st="9" end="9"/>
+                                            </p:txEl>
+                                          </p:spTgt>
+                                        </p:tgtEl>
+                                        <p:attrNameLst>
+                                          <p:attrName>style.visibility</p:attrName>
+                                        </p:attrNameLst>
+                                      </p:cBhvr>
+                                      <p:to>
+                                        <p:strVal val="visible"/>
+                                      </p:to>
+                                    </p:set>
+                                    <p:animEffect transition="in" filter="fade">
+                                      <p:cBhvr>
+                                        <p:cTn id="38" dur="500"/>
+                                        <p:tgtEl>
+                                          <p:spTgt spid="9">
+                                            <p:txEl>
+                                              <p:pRg st="9" end="9"/>
+                                            </p:txEl>
+                                          </p:spTgt>
+                                        </p:tgtEl>
+                                      </p:cBhvr>
+                                    </p:animEffect>
+                                  </p:childTnLst>
+                                </p:cTn>
+                              </p:par>
+                              <p:par>
+                                <p:cTn id="39" presetID="10" presetClass="entr" presetSubtype="0" fill="hold" nodeType="withEffect">
+                                  <p:stCondLst>
+                                    <p:cond delay="0"/>
+                                  </p:stCondLst>
+                                  <p:childTnLst>
+                                    <p:set>
+                                      <p:cBhvr>
+                                        <p:cTn id="40" dur="1" fill="hold">
+                                          <p:stCondLst>
+                                            <p:cond delay="0"/>
+                                          </p:stCondLst>
+                                        </p:cTn>
+                                        <p:tgtEl>
+                                          <p:spTgt spid="9">
+                                            <p:txEl>
+                                              <p:pRg st="10" end="10"/>
+                                            </p:txEl>
+                                          </p:spTgt>
+                                        </p:tgtEl>
+                                        <p:attrNameLst>
+                                          <p:attrName>style.visibility</p:attrName>
+                                        </p:attrNameLst>
+                                      </p:cBhvr>
+                                      <p:to>
+                                        <p:strVal val="visible"/>
+                                      </p:to>
+                                    </p:set>
+                                    <p:animEffect transition="in" filter="fade">
+                                      <p:cBhvr>
+                                        <p:cTn id="41" dur="500"/>
+                                        <p:tgtEl>
+                                          <p:spTgt spid="9">
+                                            <p:txEl>
+                                              <p:pRg st="10" end="10"/>
+                                            </p:txEl>
+                                          </p:spTgt>
+                                        </p:tgtEl>
+                                      </p:cBhvr>
+                                    </p:animEffect>
+                                  </p:childTnLst>
+                                </p:cTn>
+                              </p:par>
+                              <p:par>
+                                <p:cTn id="42" presetID="10" presetClass="entr" presetSubtype="0" fill="hold" nodeType="withEffect">
+                                  <p:stCondLst>
+                                    <p:cond delay="0"/>
+                                  </p:stCondLst>
+                                  <p:childTnLst>
+                                    <p:set>
+                                      <p:cBhvr>
+                                        <p:cTn id="43" dur="1" fill="hold">
+                                          <p:stCondLst>
+                                            <p:cond delay="0"/>
+                                          </p:stCondLst>
+                                        </p:cTn>
+                                        <p:tgtEl>
+                                          <p:spTgt spid="9">
+                                            <p:txEl>
+                                              <p:pRg st="11" end="11"/>
+                                            </p:txEl>
+                                          </p:spTgt>
+                                        </p:tgtEl>
+                                        <p:attrNameLst>
+                                          <p:attrName>style.visibility</p:attrName>
+                                        </p:attrNameLst>
+                                      </p:cBhvr>
+                                      <p:to>
+                                        <p:strVal val="visible"/>
+                                      </p:to>
+                                    </p:set>
+                                    <p:animEffect transition="in" filter="fade">
+                                      <p:cBhvr>
+                                        <p:cTn id="44" dur="500"/>
+                                        <p:tgtEl>
+                                          <p:spTgt spid="9">
+                                            <p:txEl>
+                                              <p:pRg st="11" end="11"/>
+                                            </p:txEl>
+                                          </p:spTgt>
+                                        </p:tgtEl>
+                                      </p:cBhvr>
+                                    </p:animEffect>
+                                  </p:childTnLst>
+                                </p:cTn>
+                              </p:par>
+                            </p:childTnLst>
+                          </p:cTn>
+                        </p:par>
+                      </p:childTnLst>
+                    </p:cTn>
+                  </p:par>
+                </p:childTnLst>
+              </p:cTn>
+              <p:prevCondLst>
+                <p:cond evt="onPrev" delay="0">
+                  <p:tgtEl>
+                    <p:sldTgt/>
+                  </p:tgtEl>
+                </p:cond>
+              </p:prevCondLst>
+              <p:nextCondLst>
+                <p:cond evt="onNext" delay="0">
+                  <p:tgtEl>
+                    <p:sldTgt/>
+                  </p:tgtEl>
+                </p:cond>
+              </p:nextCondLst>
+            </p:seq>
+          </p:childTnLst>
+        </p:cTn>
+      </p:par>
+    </p:tnLst>
+  </p:timing>
 </p:sld>
 </file>
 
@@ -12086,6 +15349,211 @@
   <p:clrMapOvr>
     <a:masterClrMapping/>
   </p:clrMapOvr>
+  <p:timing>
+    <p:tnLst>
+      <p:par>
+        <p:cTn id="1" dur="indefinite" restart="never" nodeType="tmRoot">
+          <p:childTnLst>
+            <p:seq concurrent="1" nextAc="seek">
+              <p:cTn id="2" dur="indefinite" nodeType="mainSeq">
+                <p:childTnLst>
+                  <p:par>
+                    <p:cTn id="3" fill="hold">
+                      <p:stCondLst>
+                        <p:cond delay="indefinite"/>
+                      </p:stCondLst>
+                      <p:childTnLst>
+                        <p:par>
+                          <p:cTn id="4" fill="hold">
+                            <p:stCondLst>
+                              <p:cond delay="0"/>
+                            </p:stCondLst>
+                            <p:childTnLst>
+                              <p:par>
+                                <p:cTn id="5" presetID="10" presetClass="entr" presetSubtype="0" fill="hold" nodeType="clickEffect">
+                                  <p:stCondLst>
+                                    <p:cond delay="0"/>
+                                  </p:stCondLst>
+                                  <p:childTnLst>
+                                    <p:set>
+                                      <p:cBhvr>
+                                        <p:cTn id="6" dur="1" fill="hold">
+                                          <p:stCondLst>
+                                            <p:cond delay="0"/>
+                                          </p:stCondLst>
+                                        </p:cTn>
+                                        <p:tgtEl>
+                                          <p:spTgt spid="27">
+                                            <p:txEl>
+                                              <p:pRg st="0" end="0"/>
+                                            </p:txEl>
+                                          </p:spTgt>
+                                        </p:tgtEl>
+                                        <p:attrNameLst>
+                                          <p:attrName>style.visibility</p:attrName>
+                                        </p:attrNameLst>
+                                      </p:cBhvr>
+                                      <p:to>
+                                        <p:strVal val="visible"/>
+                                      </p:to>
+                                    </p:set>
+                                    <p:animEffect transition="in" filter="fade">
+                                      <p:cBhvr>
+                                        <p:cTn id="7" dur="500"/>
+                                        <p:tgtEl>
+                                          <p:spTgt spid="27">
+                                            <p:txEl>
+                                              <p:pRg st="0" end="0"/>
+                                            </p:txEl>
+                                          </p:spTgt>
+                                        </p:tgtEl>
+                                      </p:cBhvr>
+                                    </p:animEffect>
+                                  </p:childTnLst>
+                                </p:cTn>
+                              </p:par>
+                            </p:childTnLst>
+                          </p:cTn>
+                        </p:par>
+                      </p:childTnLst>
+                    </p:cTn>
+                  </p:par>
+                  <p:par>
+                    <p:cTn id="8" fill="hold">
+                      <p:stCondLst>
+                        <p:cond delay="indefinite"/>
+                      </p:stCondLst>
+                      <p:childTnLst>
+                        <p:par>
+                          <p:cTn id="9" fill="hold">
+                            <p:stCondLst>
+                              <p:cond delay="0"/>
+                            </p:stCondLst>
+                            <p:childTnLst>
+                              <p:par>
+                                <p:cTn id="10" presetID="10" presetClass="entr" presetSubtype="0" fill="hold" nodeType="clickEffect">
+                                  <p:stCondLst>
+                                    <p:cond delay="0"/>
+                                  </p:stCondLst>
+                                  <p:childTnLst>
+                                    <p:set>
+                                      <p:cBhvr>
+                                        <p:cTn id="11" dur="1" fill="hold">
+                                          <p:stCondLst>
+                                            <p:cond delay="0"/>
+                                          </p:stCondLst>
+                                        </p:cTn>
+                                        <p:tgtEl>
+                                          <p:spTgt spid="27">
+                                            <p:txEl>
+                                              <p:pRg st="1" end="1"/>
+                                            </p:txEl>
+                                          </p:spTgt>
+                                        </p:tgtEl>
+                                        <p:attrNameLst>
+                                          <p:attrName>style.visibility</p:attrName>
+                                        </p:attrNameLst>
+                                      </p:cBhvr>
+                                      <p:to>
+                                        <p:strVal val="visible"/>
+                                      </p:to>
+                                    </p:set>
+                                    <p:animEffect transition="in" filter="fade">
+                                      <p:cBhvr>
+                                        <p:cTn id="12" dur="500"/>
+                                        <p:tgtEl>
+                                          <p:spTgt spid="27">
+                                            <p:txEl>
+                                              <p:pRg st="1" end="1"/>
+                                            </p:txEl>
+                                          </p:spTgt>
+                                        </p:tgtEl>
+                                      </p:cBhvr>
+                                    </p:animEffect>
+                                  </p:childTnLst>
+                                </p:cTn>
+                              </p:par>
+                            </p:childTnLst>
+                          </p:cTn>
+                        </p:par>
+                      </p:childTnLst>
+                    </p:cTn>
+                  </p:par>
+                  <p:par>
+                    <p:cTn id="13" fill="hold">
+                      <p:stCondLst>
+                        <p:cond delay="indefinite"/>
+                      </p:stCondLst>
+                      <p:childTnLst>
+                        <p:par>
+                          <p:cTn id="14" fill="hold">
+                            <p:stCondLst>
+                              <p:cond delay="0"/>
+                            </p:stCondLst>
+                            <p:childTnLst>
+                              <p:par>
+                                <p:cTn id="15" presetID="10" presetClass="entr" presetSubtype="0" fill="hold" nodeType="clickEffect">
+                                  <p:stCondLst>
+                                    <p:cond delay="0"/>
+                                  </p:stCondLst>
+                                  <p:childTnLst>
+                                    <p:set>
+                                      <p:cBhvr>
+                                        <p:cTn id="16" dur="1" fill="hold">
+                                          <p:stCondLst>
+                                            <p:cond delay="0"/>
+                                          </p:stCondLst>
+                                        </p:cTn>
+                                        <p:tgtEl>
+                                          <p:spTgt spid="3"/>
+                                        </p:tgtEl>
+                                        <p:attrNameLst>
+                                          <p:attrName>style.visibility</p:attrName>
+                                        </p:attrNameLst>
+                                      </p:cBhvr>
+                                      <p:to>
+                                        <p:strVal val="visible"/>
+                                      </p:to>
+                                    </p:set>
+                                    <p:animEffect transition="in" filter="fade">
+                                      <p:cBhvr>
+                                        <p:cTn id="17" dur="500"/>
+                                        <p:tgtEl>
+                                          <p:spTgt spid="3"/>
+                                        </p:tgtEl>
+                                      </p:cBhvr>
+                                    </p:animEffect>
+                                  </p:childTnLst>
+                                </p:cTn>
+                              </p:par>
+                            </p:childTnLst>
+                          </p:cTn>
+                        </p:par>
+                      </p:childTnLst>
+                    </p:cTn>
+                  </p:par>
+                </p:childTnLst>
+              </p:cTn>
+              <p:prevCondLst>
+                <p:cond evt="onPrev" delay="0">
+                  <p:tgtEl>
+                    <p:sldTgt/>
+                  </p:tgtEl>
+                </p:cond>
+              </p:prevCondLst>
+              <p:nextCondLst>
+                <p:cond evt="onNext" delay="0">
+                  <p:tgtEl>
+                    <p:sldTgt/>
+                  </p:tgtEl>
+                </p:cond>
+              </p:nextCondLst>
+            </p:seq>
+          </p:childTnLst>
+        </p:cTn>
+      </p:par>
+    </p:tnLst>
+  </p:timing>
 </p:sld>
 </file>
 
@@ -14417,6 +17885,140 @@
   <p:clrMapOvr>
     <a:masterClrMapping/>
   </p:clrMapOvr>
+  <p:timing>
+    <p:tnLst>
+      <p:par>
+        <p:cTn id="1" dur="indefinite" restart="never" nodeType="tmRoot">
+          <p:childTnLst>
+            <p:seq concurrent="1" nextAc="seek">
+              <p:cTn id="2" dur="indefinite" nodeType="mainSeq">
+                <p:childTnLst>
+                  <p:par>
+                    <p:cTn id="3" fill="hold">
+                      <p:stCondLst>
+                        <p:cond delay="indefinite"/>
+                      </p:stCondLst>
+                      <p:childTnLst>
+                        <p:par>
+                          <p:cTn id="4" fill="hold">
+                            <p:stCondLst>
+                              <p:cond delay="0"/>
+                            </p:stCondLst>
+                            <p:childTnLst>
+                              <p:par>
+                                <p:cTn id="5" presetID="10" presetClass="entr" presetSubtype="0" fill="hold" nodeType="clickEffect">
+                                  <p:stCondLst>
+                                    <p:cond delay="0"/>
+                                  </p:stCondLst>
+                                  <p:childTnLst>
+                                    <p:set>
+                                      <p:cBhvr>
+                                        <p:cTn id="6" dur="1" fill="hold">
+                                          <p:stCondLst>
+                                            <p:cond delay="0"/>
+                                          </p:stCondLst>
+                                        </p:cTn>
+                                        <p:tgtEl>
+                                          <p:spTgt spid="9">
+                                            <p:txEl>
+                                              <p:pRg st="0" end="0"/>
+                                            </p:txEl>
+                                          </p:spTgt>
+                                        </p:tgtEl>
+                                        <p:attrNameLst>
+                                          <p:attrName>style.visibility</p:attrName>
+                                        </p:attrNameLst>
+                                      </p:cBhvr>
+                                      <p:to>
+                                        <p:strVal val="visible"/>
+                                      </p:to>
+                                    </p:set>
+                                    <p:animEffect transition="in" filter="fade">
+                                      <p:cBhvr>
+                                        <p:cTn id="7" dur="500"/>
+                                        <p:tgtEl>
+                                          <p:spTgt spid="9">
+                                            <p:txEl>
+                                              <p:pRg st="0" end="0"/>
+                                            </p:txEl>
+                                          </p:spTgt>
+                                        </p:tgtEl>
+                                      </p:cBhvr>
+                                    </p:animEffect>
+                                  </p:childTnLst>
+                                </p:cTn>
+                              </p:par>
+                              <p:par>
+                                <p:cTn id="8" presetID="10" presetClass="entr" presetSubtype="0" fill="hold" nodeType="withEffect">
+                                  <p:stCondLst>
+                                    <p:cond delay="0"/>
+                                  </p:stCondLst>
+                                  <p:childTnLst>
+                                    <p:set>
+                                      <p:cBhvr>
+                                        <p:cTn id="9" dur="1" fill="hold">
+                                          <p:stCondLst>
+                                            <p:cond delay="0"/>
+                                          </p:stCondLst>
+                                        </p:cTn>
+                                        <p:tgtEl>
+                                          <p:spTgt spid="9">
+                                            <p:txEl>
+                                              <p:pRg st="1" end="1"/>
+                                            </p:txEl>
+                                          </p:spTgt>
+                                        </p:tgtEl>
+                                        <p:attrNameLst>
+                                          <p:attrName>style.visibility</p:attrName>
+                                        </p:attrNameLst>
+                                      </p:cBhvr>
+                                      <p:to>
+                                        <p:strVal val="visible"/>
+                                      </p:to>
+                                    </p:set>
+                                    <p:animEffect transition="in" filter="fade">
+                                      <p:cBhvr>
+                                        <p:cTn id="10" dur="500"/>
+                                        <p:tgtEl>
+                                          <p:spTgt spid="9">
+                                            <p:txEl>
+                                              <p:pRg st="1" end="1"/>
+                                            </p:txEl>
+                                          </p:spTgt>
+                                        </p:tgtEl>
+                                      </p:cBhvr>
+                                    </p:animEffect>
+                                  </p:childTnLst>
+                                </p:cTn>
+                              </p:par>
+                            </p:childTnLst>
+                          </p:cTn>
+                        </p:par>
+                      </p:childTnLst>
+                    </p:cTn>
+                  </p:par>
+                </p:childTnLst>
+              </p:cTn>
+              <p:prevCondLst>
+                <p:cond evt="onPrev" delay="0">
+                  <p:tgtEl>
+                    <p:sldTgt/>
+                  </p:tgtEl>
+                </p:cond>
+              </p:prevCondLst>
+              <p:nextCondLst>
+                <p:cond evt="onNext" delay="0">
+                  <p:tgtEl>
+                    <p:sldTgt/>
+                  </p:tgtEl>
+                </p:cond>
+              </p:nextCondLst>
+            </p:seq>
+          </p:childTnLst>
+        </p:cTn>
+      </p:par>
+    </p:tnLst>
+  </p:timing>
 </p:sld>
 </file>
 
@@ -15753,6 +19355,470 @@
   <p:clrMapOvr>
     <a:masterClrMapping/>
   </p:clrMapOvr>
+  <p:timing>
+    <p:tnLst>
+      <p:par>
+        <p:cTn id="1" dur="indefinite" restart="never" nodeType="tmRoot">
+          <p:childTnLst>
+            <p:seq concurrent="1" nextAc="seek">
+              <p:cTn id="2" dur="indefinite" nodeType="mainSeq">
+                <p:childTnLst>
+                  <p:par>
+                    <p:cTn id="3" fill="hold">
+                      <p:stCondLst>
+                        <p:cond delay="indefinite"/>
+                      </p:stCondLst>
+                      <p:childTnLst>
+                        <p:par>
+                          <p:cTn id="4" fill="hold">
+                            <p:stCondLst>
+                              <p:cond delay="0"/>
+                            </p:stCondLst>
+                            <p:childTnLst>
+                              <p:par>
+                                <p:cTn id="5" presetID="10" presetClass="entr" presetSubtype="0" fill="hold" grpId="0" nodeType="clickEffect">
+                                  <p:stCondLst>
+                                    <p:cond delay="0"/>
+                                  </p:stCondLst>
+                                  <p:childTnLst>
+                                    <p:set>
+                                      <p:cBhvr>
+                                        <p:cTn id="6" dur="1" fill="hold">
+                                          <p:stCondLst>
+                                            <p:cond delay="0"/>
+                                          </p:stCondLst>
+                                        </p:cTn>
+                                        <p:tgtEl>
+                                          <p:spTgt spid="4"/>
+                                        </p:tgtEl>
+                                        <p:attrNameLst>
+                                          <p:attrName>style.visibility</p:attrName>
+                                        </p:attrNameLst>
+                                      </p:cBhvr>
+                                      <p:to>
+                                        <p:strVal val="visible"/>
+                                      </p:to>
+                                    </p:set>
+                                    <p:animEffect transition="in" filter="fade">
+                                      <p:cBhvr>
+                                        <p:cTn id="7" dur="500"/>
+                                        <p:tgtEl>
+                                          <p:spTgt spid="4"/>
+                                        </p:tgtEl>
+                                      </p:cBhvr>
+                                    </p:animEffect>
+                                  </p:childTnLst>
+                                </p:cTn>
+                              </p:par>
+                            </p:childTnLst>
+                          </p:cTn>
+                        </p:par>
+                      </p:childTnLst>
+                    </p:cTn>
+                  </p:par>
+                  <p:par>
+                    <p:cTn id="8" fill="hold">
+                      <p:stCondLst>
+                        <p:cond delay="indefinite"/>
+                      </p:stCondLst>
+                      <p:childTnLst>
+                        <p:par>
+                          <p:cTn id="9" fill="hold">
+                            <p:stCondLst>
+                              <p:cond delay="0"/>
+                            </p:stCondLst>
+                            <p:childTnLst>
+                              <p:par>
+                                <p:cTn id="10" presetID="10" presetClass="entr" presetSubtype="0" fill="hold" grpId="0" nodeType="clickEffect">
+                                  <p:stCondLst>
+                                    <p:cond delay="0"/>
+                                  </p:stCondLst>
+                                  <p:childTnLst>
+                                    <p:set>
+                                      <p:cBhvr>
+                                        <p:cTn id="11" dur="1" fill="hold">
+                                          <p:stCondLst>
+                                            <p:cond delay="0"/>
+                                          </p:stCondLst>
+                                        </p:cTn>
+                                        <p:tgtEl>
+                                          <p:spTgt spid="11"/>
+                                        </p:tgtEl>
+                                        <p:attrNameLst>
+                                          <p:attrName>style.visibility</p:attrName>
+                                        </p:attrNameLst>
+                                      </p:cBhvr>
+                                      <p:to>
+                                        <p:strVal val="visible"/>
+                                      </p:to>
+                                    </p:set>
+                                    <p:animEffect transition="in" filter="fade">
+                                      <p:cBhvr>
+                                        <p:cTn id="12" dur="500"/>
+                                        <p:tgtEl>
+                                          <p:spTgt spid="11"/>
+                                        </p:tgtEl>
+                                      </p:cBhvr>
+                                    </p:animEffect>
+                                  </p:childTnLst>
+                                </p:cTn>
+                              </p:par>
+                            </p:childTnLst>
+                          </p:cTn>
+                        </p:par>
+                      </p:childTnLst>
+                    </p:cTn>
+                  </p:par>
+                  <p:par>
+                    <p:cTn id="13" fill="hold">
+                      <p:stCondLst>
+                        <p:cond delay="indefinite"/>
+                      </p:stCondLst>
+                      <p:childTnLst>
+                        <p:par>
+                          <p:cTn id="14" fill="hold">
+                            <p:stCondLst>
+                              <p:cond delay="0"/>
+                            </p:stCondLst>
+                            <p:childTnLst>
+                              <p:par>
+                                <p:cTn id="15" presetID="10" presetClass="entr" presetSubtype="0" fill="hold" grpId="0" nodeType="clickEffect">
+                                  <p:stCondLst>
+                                    <p:cond delay="0"/>
+                                  </p:stCondLst>
+                                  <p:childTnLst>
+                                    <p:set>
+                                      <p:cBhvr>
+                                        <p:cTn id="16" dur="1" fill="hold">
+                                          <p:stCondLst>
+                                            <p:cond delay="0"/>
+                                          </p:stCondLst>
+                                        </p:cTn>
+                                        <p:tgtEl>
+                                          <p:spTgt spid="14"/>
+                                        </p:tgtEl>
+                                        <p:attrNameLst>
+                                          <p:attrName>style.visibility</p:attrName>
+                                        </p:attrNameLst>
+                                      </p:cBhvr>
+                                      <p:to>
+                                        <p:strVal val="visible"/>
+                                      </p:to>
+                                    </p:set>
+                                    <p:animEffect transition="in" filter="fade">
+                                      <p:cBhvr>
+                                        <p:cTn id="17" dur="500"/>
+                                        <p:tgtEl>
+                                          <p:spTgt spid="14"/>
+                                        </p:tgtEl>
+                                      </p:cBhvr>
+                                    </p:animEffect>
+                                  </p:childTnLst>
+                                </p:cTn>
+                              </p:par>
+                              <p:par>
+                                <p:cTn id="18" presetID="10" presetClass="entr" presetSubtype="0" fill="hold" grpId="0" nodeType="withEffect">
+                                  <p:stCondLst>
+                                    <p:cond delay="0"/>
+                                  </p:stCondLst>
+                                  <p:childTnLst>
+                                    <p:set>
+                                      <p:cBhvr>
+                                        <p:cTn id="19" dur="1" fill="hold">
+                                          <p:stCondLst>
+                                            <p:cond delay="0"/>
+                                          </p:stCondLst>
+                                        </p:cTn>
+                                        <p:tgtEl>
+                                          <p:spTgt spid="20"/>
+                                        </p:tgtEl>
+                                        <p:attrNameLst>
+                                          <p:attrName>style.visibility</p:attrName>
+                                        </p:attrNameLst>
+                                      </p:cBhvr>
+                                      <p:to>
+                                        <p:strVal val="visible"/>
+                                      </p:to>
+                                    </p:set>
+                                    <p:animEffect transition="in" filter="fade">
+                                      <p:cBhvr>
+                                        <p:cTn id="20" dur="500"/>
+                                        <p:tgtEl>
+                                          <p:spTgt spid="20"/>
+                                        </p:tgtEl>
+                                      </p:cBhvr>
+                                    </p:animEffect>
+                                  </p:childTnLst>
+                                </p:cTn>
+                              </p:par>
+                              <p:par>
+                                <p:cTn id="21" presetID="10" presetClass="entr" presetSubtype="0" fill="hold" grpId="0" nodeType="withEffect">
+                                  <p:stCondLst>
+                                    <p:cond delay="0"/>
+                                  </p:stCondLst>
+                                  <p:childTnLst>
+                                    <p:set>
+                                      <p:cBhvr>
+                                        <p:cTn id="22" dur="1" fill="hold">
+                                          <p:stCondLst>
+                                            <p:cond delay="0"/>
+                                          </p:stCondLst>
+                                        </p:cTn>
+                                        <p:tgtEl>
+                                          <p:spTgt spid="23"/>
+                                        </p:tgtEl>
+                                        <p:attrNameLst>
+                                          <p:attrName>style.visibility</p:attrName>
+                                        </p:attrNameLst>
+                                      </p:cBhvr>
+                                      <p:to>
+                                        <p:strVal val="visible"/>
+                                      </p:to>
+                                    </p:set>
+                                    <p:animEffect transition="in" filter="fade">
+                                      <p:cBhvr>
+                                        <p:cTn id="23" dur="500"/>
+                                        <p:tgtEl>
+                                          <p:spTgt spid="23"/>
+                                        </p:tgtEl>
+                                      </p:cBhvr>
+                                    </p:animEffect>
+                                  </p:childTnLst>
+                                </p:cTn>
+                              </p:par>
+                              <p:par>
+                                <p:cTn id="24" presetID="10" presetClass="entr" presetSubtype="0" fill="hold" grpId="0" nodeType="withEffect">
+                                  <p:stCondLst>
+                                    <p:cond delay="0"/>
+                                  </p:stCondLst>
+                                  <p:childTnLst>
+                                    <p:set>
+                                      <p:cBhvr>
+                                        <p:cTn id="25" dur="1" fill="hold">
+                                          <p:stCondLst>
+                                            <p:cond delay="0"/>
+                                          </p:stCondLst>
+                                        </p:cTn>
+                                        <p:tgtEl>
+                                          <p:spTgt spid="16"/>
+                                        </p:tgtEl>
+                                        <p:attrNameLst>
+                                          <p:attrName>style.visibility</p:attrName>
+                                        </p:attrNameLst>
+                                      </p:cBhvr>
+                                      <p:to>
+                                        <p:strVal val="visible"/>
+                                      </p:to>
+                                    </p:set>
+                                    <p:animEffect transition="in" filter="fade">
+                                      <p:cBhvr>
+                                        <p:cTn id="26" dur="500"/>
+                                        <p:tgtEl>
+                                          <p:spTgt spid="16"/>
+                                        </p:tgtEl>
+                                      </p:cBhvr>
+                                    </p:animEffect>
+                                  </p:childTnLst>
+                                </p:cTn>
+                              </p:par>
+                              <p:par>
+                                <p:cTn id="27" presetID="10" presetClass="entr" presetSubtype="0" fill="hold" grpId="0" nodeType="withEffect">
+                                  <p:stCondLst>
+                                    <p:cond delay="0"/>
+                                  </p:stCondLst>
+                                  <p:childTnLst>
+                                    <p:set>
+                                      <p:cBhvr>
+                                        <p:cTn id="28" dur="1" fill="hold">
+                                          <p:stCondLst>
+                                            <p:cond delay="0"/>
+                                          </p:stCondLst>
+                                        </p:cTn>
+                                        <p:tgtEl>
+                                          <p:spTgt spid="19"/>
+                                        </p:tgtEl>
+                                        <p:attrNameLst>
+                                          <p:attrName>style.visibility</p:attrName>
+                                        </p:attrNameLst>
+                                      </p:cBhvr>
+                                      <p:to>
+                                        <p:strVal val="visible"/>
+                                      </p:to>
+                                    </p:set>
+                                    <p:animEffect transition="in" filter="fade">
+                                      <p:cBhvr>
+                                        <p:cTn id="29" dur="500"/>
+                                        <p:tgtEl>
+                                          <p:spTgt spid="19"/>
+                                        </p:tgtEl>
+                                      </p:cBhvr>
+                                    </p:animEffect>
+                                  </p:childTnLst>
+                                </p:cTn>
+                              </p:par>
+                              <p:par>
+                                <p:cTn id="30" presetID="10" presetClass="entr" presetSubtype="0" fill="hold" grpId="0" nodeType="withEffect">
+                                  <p:stCondLst>
+                                    <p:cond delay="0"/>
+                                  </p:stCondLst>
+                                  <p:childTnLst>
+                                    <p:set>
+                                      <p:cBhvr>
+                                        <p:cTn id="31" dur="1" fill="hold">
+                                          <p:stCondLst>
+                                            <p:cond delay="0"/>
+                                          </p:stCondLst>
+                                        </p:cTn>
+                                        <p:tgtEl>
+                                          <p:spTgt spid="22"/>
+                                        </p:tgtEl>
+                                        <p:attrNameLst>
+                                          <p:attrName>style.visibility</p:attrName>
+                                        </p:attrNameLst>
+                                      </p:cBhvr>
+                                      <p:to>
+                                        <p:strVal val="visible"/>
+                                      </p:to>
+                                    </p:set>
+                                    <p:animEffect transition="in" filter="fade">
+                                      <p:cBhvr>
+                                        <p:cTn id="32" dur="500"/>
+                                        <p:tgtEl>
+                                          <p:spTgt spid="22"/>
+                                        </p:tgtEl>
+                                      </p:cBhvr>
+                                    </p:animEffect>
+                                  </p:childTnLst>
+                                </p:cTn>
+                              </p:par>
+                              <p:par>
+                                <p:cTn id="33" presetID="10" presetClass="entr" presetSubtype="0" fill="hold" grpId="0" nodeType="withEffect">
+                                  <p:stCondLst>
+                                    <p:cond delay="0"/>
+                                  </p:stCondLst>
+                                  <p:childTnLst>
+                                    <p:set>
+                                      <p:cBhvr>
+                                        <p:cTn id="34" dur="1" fill="hold">
+                                          <p:stCondLst>
+                                            <p:cond delay="0"/>
+                                          </p:stCondLst>
+                                        </p:cTn>
+                                        <p:tgtEl>
+                                          <p:spTgt spid="21"/>
+                                        </p:tgtEl>
+                                        <p:attrNameLst>
+                                          <p:attrName>style.visibility</p:attrName>
+                                        </p:attrNameLst>
+                                      </p:cBhvr>
+                                      <p:to>
+                                        <p:strVal val="visible"/>
+                                      </p:to>
+                                    </p:set>
+                                    <p:animEffect transition="in" filter="fade">
+                                      <p:cBhvr>
+                                        <p:cTn id="35" dur="500"/>
+                                        <p:tgtEl>
+                                          <p:spTgt spid="21"/>
+                                        </p:tgtEl>
+                                      </p:cBhvr>
+                                    </p:animEffect>
+                                  </p:childTnLst>
+                                </p:cTn>
+                              </p:par>
+                            </p:childTnLst>
+                          </p:cTn>
+                        </p:par>
+                      </p:childTnLst>
+                    </p:cTn>
+                  </p:par>
+                  <p:par>
+                    <p:cTn id="36" fill="hold">
+                      <p:stCondLst>
+                        <p:cond delay="indefinite"/>
+                      </p:stCondLst>
+                      <p:childTnLst>
+                        <p:par>
+                          <p:cTn id="37" fill="hold">
+                            <p:stCondLst>
+                              <p:cond delay="0"/>
+                            </p:stCondLst>
+                            <p:childTnLst>
+                              <p:par>
+                                <p:cTn id="38" presetID="10" presetClass="entr" presetSubtype="0" fill="hold" grpId="0" nodeType="clickEffect">
+                                  <p:stCondLst>
+                                    <p:cond delay="0"/>
+                                  </p:stCondLst>
+                                  <p:childTnLst>
+                                    <p:set>
+                                      <p:cBhvr>
+                                        <p:cTn id="39" dur="1" fill="hold">
+                                          <p:stCondLst>
+                                            <p:cond delay="0"/>
+                                          </p:stCondLst>
+                                        </p:cTn>
+                                        <p:tgtEl>
+                                          <p:spTgt spid="13"/>
+                                        </p:tgtEl>
+                                        <p:attrNameLst>
+                                          <p:attrName>style.visibility</p:attrName>
+                                        </p:attrNameLst>
+                                      </p:cBhvr>
+                                      <p:to>
+                                        <p:strVal val="visible"/>
+                                      </p:to>
+                                    </p:set>
+                                    <p:animEffect transition="in" filter="fade">
+                                      <p:cBhvr>
+                                        <p:cTn id="40" dur="500"/>
+                                        <p:tgtEl>
+                                          <p:spTgt spid="13"/>
+                                        </p:tgtEl>
+                                      </p:cBhvr>
+                                    </p:animEffect>
+                                  </p:childTnLst>
+                                </p:cTn>
+                              </p:par>
+                            </p:childTnLst>
+                          </p:cTn>
+                        </p:par>
+                      </p:childTnLst>
+                    </p:cTn>
+                  </p:par>
+                </p:childTnLst>
+              </p:cTn>
+              <p:prevCondLst>
+                <p:cond evt="onPrev" delay="0">
+                  <p:tgtEl>
+                    <p:sldTgt/>
+                  </p:tgtEl>
+                </p:cond>
+              </p:prevCondLst>
+              <p:nextCondLst>
+                <p:cond evt="onNext" delay="0">
+                  <p:tgtEl>
+                    <p:sldTgt/>
+                  </p:tgtEl>
+                </p:cond>
+              </p:nextCondLst>
+            </p:seq>
+          </p:childTnLst>
+        </p:cTn>
+      </p:par>
+    </p:tnLst>
+    <p:bldLst>
+      <p:bldP spid="4" grpId="0" animBg="1"/>
+      <p:bldP spid="11" grpId="0" animBg="1"/>
+      <p:bldP spid="13" grpId="0" animBg="1"/>
+      <p:bldP spid="14" grpId="0" animBg="1"/>
+      <p:bldP spid="16" grpId="0" animBg="1"/>
+      <p:bldP spid="19" grpId="0" animBg="1"/>
+      <p:bldP spid="20" grpId="0" animBg="1"/>
+      <p:bldP spid="21" grpId="0" animBg="1"/>
+      <p:bldP spid="22" grpId="0" animBg="1"/>
+      <p:bldP spid="23" grpId="0" animBg="1"/>
+    </p:bldLst>
+  </p:timing>
 </p:sld>
 </file>
 
@@ -18293,7 +22359,7 @@
                   <a:ea typeface="Roboto" panose="02000000000000000000" pitchFamily="2" charset="0"/>
                   <a:cs typeface="Lato" panose="020F0502020204030203" pitchFamily="34" charset="0"/>
                 </a:rPr>
-                <a:t>CQRS</a:t>
+                <a:t>CQRS + DDD</a:t>
               </a:r>
             </a:p>
           </p:txBody>
@@ -19077,6 +23143,92 @@
           </a:prstGeom>
         </p:spPr>
       </p:pic>
+      <p:sp>
+        <p:nvSpPr>
+          <p:cNvPr id="2" name="TextBox 1">
+            <a:extLst>
+              <a:ext uri="{FF2B5EF4-FFF2-40B4-BE49-F238E27FC236}">
+                <a16:creationId xmlns:a16="http://schemas.microsoft.com/office/drawing/2014/main" id="{924E13E7-3549-4627-A6E6-B30FAAE743D4}"/>
+              </a:ext>
+            </a:extLst>
+          </p:cNvPr>
+          <p:cNvSpPr txBox="1"/>
+          <p:nvPr/>
+        </p:nvSpPr>
+        <p:spPr>
+          <a:xfrm rot="1529495">
+            <a:off x="4453651" y="9147059"/>
+            <a:ext cx="3805254" cy="769441"/>
+          </a:xfrm>
+          <a:prstGeom prst="rect">
+            <a:avLst/>
+          </a:prstGeom>
+          <a:noFill/>
+        </p:spPr>
+        <p:txBody>
+          <a:bodyPr wrap="square" rtlCol="0">
+            <a:spAutoFit/>
+          </a:bodyPr>
+          <a:lstStyle/>
+          <a:p>
+            <a:r>
+              <a:rPr lang="en-CA" sz="4400" dirty="0">
+                <a:solidFill>
+                  <a:schemeClr val="bg1"/>
+                </a:solidFill>
+              </a:rPr>
+              <a:t>Aggregates</a:t>
+            </a:r>
+          </a:p>
+        </p:txBody>
+      </p:sp>
+      <p:sp>
+        <p:nvSpPr>
+          <p:cNvPr id="4" name="TextBox 3">
+            <a:extLst>
+              <a:ext uri="{FF2B5EF4-FFF2-40B4-BE49-F238E27FC236}">
+                <a16:creationId xmlns:a16="http://schemas.microsoft.com/office/drawing/2014/main" id="{598B549C-55B8-4596-B013-408C51FCC798}"/>
+              </a:ext>
+            </a:extLst>
+          </p:cNvPr>
+          <p:cNvSpPr txBox="1"/>
+          <p:nvPr/>
+        </p:nvSpPr>
+        <p:spPr>
+          <a:xfrm rot="20767624">
+            <a:off x="13008632" y="9030273"/>
+            <a:ext cx="8545369" cy="1754326"/>
+          </a:xfrm>
+          <a:prstGeom prst="rect">
+            <a:avLst/>
+          </a:prstGeom>
+          <a:noFill/>
+        </p:spPr>
+        <p:txBody>
+          <a:bodyPr wrap="square" rtlCol="0">
+            <a:spAutoFit/>
+          </a:bodyPr>
+          <a:lstStyle/>
+          <a:p>
+            <a:r>
+              <a:rPr lang="en-CA" sz="5400" dirty="0" err="1">
+                <a:solidFill>
+                  <a:schemeClr val="bg1"/>
+                </a:solidFill>
+              </a:rPr>
+              <a:t>ValueObjects</a:t>
+            </a:r>
+            <a:r>
+              <a:rPr lang="en-CA" sz="5400" dirty="0">
+                <a:solidFill>
+                  <a:schemeClr val="bg1"/>
+                </a:solidFill>
+              </a:rPr>
+              <a:t> which are not real entities</a:t>
+            </a:r>
+          </a:p>
+        </p:txBody>
+      </p:sp>
     </p:spTree>
     <p:extLst>
       <p:ext uri="{BB962C8B-B14F-4D97-AF65-F5344CB8AC3E}">
@@ -19243,7 +23395,7 @@
                             </p:stCondLst>
                             <p:childTnLst>
                               <p:par>
-                                <p:cTn id="17" presetID="1" presetClass="entr" presetSubtype="0" fill="hold" nodeType="clickEffect">
+                                <p:cTn id="17" presetID="10" presetClass="entr" presetSubtype="0" fill="hold" grpId="0" nodeType="clickEffect">
                                   <p:stCondLst>
                                     <p:cond delay="0"/>
                                   </p:stCondLst>
@@ -19251,6 +23403,104 @@
                                     <p:set>
                                       <p:cBhvr>
                                         <p:cTn id="18" dur="1" fill="hold">
+                                          <p:stCondLst>
+                                            <p:cond delay="0"/>
+                                          </p:stCondLst>
+                                        </p:cTn>
+                                        <p:tgtEl>
+                                          <p:spTgt spid="2"/>
+                                        </p:tgtEl>
+                                        <p:attrNameLst>
+                                          <p:attrName>style.visibility</p:attrName>
+                                        </p:attrNameLst>
+                                      </p:cBhvr>
+                                      <p:to>
+                                        <p:strVal val="visible"/>
+                                      </p:to>
+                                    </p:set>
+                                    <p:animEffect transition="in" filter="fade">
+                                      <p:cBhvr>
+                                        <p:cTn id="19" dur="500"/>
+                                        <p:tgtEl>
+                                          <p:spTgt spid="2"/>
+                                        </p:tgtEl>
+                                      </p:cBhvr>
+                                    </p:animEffect>
+                                  </p:childTnLst>
+                                </p:cTn>
+                              </p:par>
+                            </p:childTnLst>
+                          </p:cTn>
+                        </p:par>
+                      </p:childTnLst>
+                    </p:cTn>
+                  </p:par>
+                  <p:par>
+                    <p:cTn id="20" fill="hold">
+                      <p:stCondLst>
+                        <p:cond delay="indefinite"/>
+                      </p:stCondLst>
+                      <p:childTnLst>
+                        <p:par>
+                          <p:cTn id="21" fill="hold">
+                            <p:stCondLst>
+                              <p:cond delay="0"/>
+                            </p:stCondLst>
+                            <p:childTnLst>
+                              <p:par>
+                                <p:cTn id="22" presetID="1" presetClass="entr" presetSubtype="0" fill="hold" grpId="0" nodeType="clickEffect">
+                                  <p:stCondLst>
+                                    <p:cond delay="0"/>
+                                  </p:stCondLst>
+                                  <p:childTnLst>
+                                    <p:set>
+                                      <p:cBhvr>
+                                        <p:cTn id="23" dur="1" fill="hold">
+                                          <p:stCondLst>
+                                            <p:cond delay="0"/>
+                                          </p:stCondLst>
+                                        </p:cTn>
+                                        <p:tgtEl>
+                                          <p:spTgt spid="4"/>
+                                        </p:tgtEl>
+                                        <p:attrNameLst>
+                                          <p:attrName>style.visibility</p:attrName>
+                                        </p:attrNameLst>
+                                      </p:cBhvr>
+                                      <p:to>
+                                        <p:strVal val="visible"/>
+                                      </p:to>
+                                    </p:set>
+                                  </p:childTnLst>
+                                </p:cTn>
+                              </p:par>
+                            </p:childTnLst>
+                          </p:cTn>
+                        </p:par>
+                      </p:childTnLst>
+                    </p:cTn>
+                  </p:par>
+                  <p:par>
+                    <p:cTn id="24" fill="hold">
+                      <p:stCondLst>
+                        <p:cond delay="indefinite"/>
+                      </p:stCondLst>
+                      <p:childTnLst>
+                        <p:par>
+                          <p:cTn id="25" fill="hold">
+                            <p:stCondLst>
+                              <p:cond delay="0"/>
+                            </p:stCondLst>
+                            <p:childTnLst>
+                              <p:par>
+                                <p:cTn id="26" presetID="1" presetClass="entr" presetSubtype="0" fill="hold" nodeType="clickEffect">
+                                  <p:stCondLst>
+                                    <p:cond delay="0"/>
+                                  </p:stCondLst>
+                                  <p:childTnLst>
+                                    <p:set>
+                                      <p:cBhvr>
+                                        <p:cTn id="27" dur="1" fill="hold">
                                           <p:stCondLst>
                                             <p:cond delay="0"/>
                                           </p:stCondLst>
@@ -19300,6 +23550,8 @@
       <p:bldP spid="10" grpId="0"/>
       <p:bldP spid="12" grpId="0"/>
       <p:bldP spid="16" grpId="0"/>
+      <p:bldP spid="2" grpId="0"/>
+      <p:bldP spid="4" grpId="0"/>
     </p:bldLst>
   </p:timing>
 </p:sld>
@@ -19909,6 +24161,89 @@
   <p:clrMapOvr>
     <a:masterClrMapping/>
   </p:clrMapOvr>
+  <p:timing>
+    <p:tnLst>
+      <p:par>
+        <p:cTn id="1" dur="indefinite" restart="never" nodeType="tmRoot">
+          <p:childTnLst>
+            <p:seq concurrent="1" nextAc="seek">
+              <p:cTn id="2" dur="indefinite" nodeType="mainSeq">
+                <p:childTnLst>
+                  <p:par>
+                    <p:cTn id="3" fill="hold">
+                      <p:stCondLst>
+                        <p:cond delay="indefinite"/>
+                      </p:stCondLst>
+                      <p:childTnLst>
+                        <p:par>
+                          <p:cTn id="4" fill="hold">
+                            <p:stCondLst>
+                              <p:cond delay="0"/>
+                            </p:stCondLst>
+                            <p:childTnLst>
+                              <p:par>
+                                <p:cTn id="5" presetID="10" presetClass="entr" presetSubtype="0" fill="hold" nodeType="clickEffect">
+                                  <p:stCondLst>
+                                    <p:cond delay="0"/>
+                                  </p:stCondLst>
+                                  <p:childTnLst>
+                                    <p:set>
+                                      <p:cBhvr>
+                                        <p:cTn id="6" dur="1" fill="hold">
+                                          <p:stCondLst>
+                                            <p:cond delay="0"/>
+                                          </p:stCondLst>
+                                        </p:cTn>
+                                        <p:tgtEl>
+                                          <p:spTgt spid="2"/>
+                                        </p:tgtEl>
+                                        <p:attrNameLst>
+                                          <p:attrName>style.visibility</p:attrName>
+                                        </p:attrNameLst>
+                                      </p:cBhvr>
+                                      <p:to>
+                                        <p:strVal val="visible"/>
+                                      </p:to>
+                                    </p:set>
+                                    <p:animEffect transition="in" filter="fade">
+                                      <p:cBhvr>
+                                        <p:cTn id="7" dur="500"/>
+                                        <p:tgtEl>
+                                          <p:spTgt spid="2"/>
+                                        </p:tgtEl>
+                                      </p:cBhvr>
+                                    </p:animEffect>
+                                  </p:childTnLst>
+                                </p:cTn>
+                              </p:par>
+                            </p:childTnLst>
+                          </p:cTn>
+                        </p:par>
+                      </p:childTnLst>
+                    </p:cTn>
+                  </p:par>
+                </p:childTnLst>
+              </p:cTn>
+              <p:prevCondLst>
+                <p:cond evt="onPrev" delay="0">
+                  <p:tgtEl>
+                    <p:sldTgt/>
+                  </p:tgtEl>
+                </p:cond>
+              </p:prevCondLst>
+              <p:nextCondLst>
+                <p:cond evt="onNext" delay="0">
+                  <p:tgtEl>
+                    <p:sldTgt/>
+                  </p:tgtEl>
+                </p:cond>
+              </p:nextCondLst>
+            </p:seq>
+          </p:childTnLst>
+        </p:cTn>
+      </p:par>
+    </p:tnLst>
+  </p:timing>
 </p:sld>
 </file>
 
@@ -20469,6 +24804,89 @@
   <p:clrMapOvr>
     <a:masterClrMapping/>
   </p:clrMapOvr>
+  <p:timing>
+    <p:tnLst>
+      <p:par>
+        <p:cTn id="1" dur="indefinite" restart="never" nodeType="tmRoot">
+          <p:childTnLst>
+            <p:seq concurrent="1" nextAc="seek">
+              <p:cTn id="2" dur="indefinite" nodeType="mainSeq">
+                <p:childTnLst>
+                  <p:par>
+                    <p:cTn id="3" fill="hold">
+                      <p:stCondLst>
+                        <p:cond delay="indefinite"/>
+                      </p:stCondLst>
+                      <p:childTnLst>
+                        <p:par>
+                          <p:cTn id="4" fill="hold">
+                            <p:stCondLst>
+                              <p:cond delay="0"/>
+                            </p:stCondLst>
+                            <p:childTnLst>
+                              <p:par>
+                                <p:cTn id="5" presetID="10" presetClass="entr" presetSubtype="0" fill="hold" nodeType="clickEffect">
+                                  <p:stCondLst>
+                                    <p:cond delay="0"/>
+                                  </p:stCondLst>
+                                  <p:childTnLst>
+                                    <p:set>
+                                      <p:cBhvr>
+                                        <p:cTn id="6" dur="1" fill="hold">
+                                          <p:stCondLst>
+                                            <p:cond delay="0"/>
+                                          </p:stCondLst>
+                                        </p:cTn>
+                                        <p:tgtEl>
+                                          <p:spTgt spid="6"/>
+                                        </p:tgtEl>
+                                        <p:attrNameLst>
+                                          <p:attrName>style.visibility</p:attrName>
+                                        </p:attrNameLst>
+                                      </p:cBhvr>
+                                      <p:to>
+                                        <p:strVal val="visible"/>
+                                      </p:to>
+                                    </p:set>
+                                    <p:animEffect transition="in" filter="fade">
+                                      <p:cBhvr>
+                                        <p:cTn id="7" dur="500"/>
+                                        <p:tgtEl>
+                                          <p:spTgt spid="6"/>
+                                        </p:tgtEl>
+                                      </p:cBhvr>
+                                    </p:animEffect>
+                                  </p:childTnLst>
+                                </p:cTn>
+                              </p:par>
+                            </p:childTnLst>
+                          </p:cTn>
+                        </p:par>
+                      </p:childTnLst>
+                    </p:cTn>
+                  </p:par>
+                </p:childTnLst>
+              </p:cTn>
+              <p:prevCondLst>
+                <p:cond evt="onPrev" delay="0">
+                  <p:tgtEl>
+                    <p:sldTgt/>
+                  </p:tgtEl>
+                </p:cond>
+              </p:prevCondLst>
+              <p:nextCondLst>
+                <p:cond evt="onNext" delay="0">
+                  <p:tgtEl>
+                    <p:sldTgt/>
+                  </p:tgtEl>
+                </p:cond>
+              </p:nextCondLst>
+            </p:seq>
+          </p:childTnLst>
+        </p:cTn>
+      </p:par>
+    </p:tnLst>
+  </p:timing>
 </p:sld>
 </file>
 

--- a/PDC-CleanArchitecture/prairiedev.pptx
+++ b/PDC-CleanArchitecture/prairiedev.pptx
@@ -250,7 +250,7 @@
             <a:fld id="{EFC10EE1-B198-C942-8235-326C972CBB30}" type="datetimeFigureOut">
               <a:rPr lang="en-US" smtClean="0"/>
               <a:pPr/>
-              <a:t>10/19/2019</a:t>
+              <a:t>10/20/2019</a:t>
             </a:fld>
             <a:endParaRPr lang="en-US" dirty="0"/>
           </a:p>
@@ -6265,7 +6265,7 @@
         <p:spPr>
           <a:xfrm>
             <a:off x="2688079" y="4965174"/>
-            <a:ext cx="19001486" cy="2123658"/>
+            <a:ext cx="19001486" cy="3139321"/>
           </a:xfrm>
           <a:prstGeom prst="rect">
             <a:avLst/>
@@ -6321,6 +6321,29 @@
                 <a:cs typeface="Roboto Light" panose="02000000000000000000" pitchFamily="2" charset="0"/>
               </a:rPr>
               <a:t>Do use custom domain exception</a:t>
+            </a:r>
+          </a:p>
+          <a:p>
+            <a:pPr marL="1143000" indent="-1143000">
+              <a:buBlip>
+                <a:blip r:embed="rId2">
+                  <a:extLst>
+                    <a:ext uri="{96DAC541-7B7A-43D3-8B79-37D633B846F1}">
+                      <asvg:svgBlip xmlns:asvg="http://schemas.microsoft.com/office/drawing/2016/SVG/main" r:embed="rId3"/>
+                    </a:ext>
+                  </a:extLst>
+                </a:blip>
+              </a:buBlip>
+            </a:pPr>
+            <a:r>
+              <a:rPr lang="en-US" sz="6600" dirty="0">
+                <a:solidFill>
+                  <a:schemeClr val="tx2"/>
+                </a:solidFill>
+                <a:ea typeface="Roboto Light" panose="02000000000000000000" pitchFamily="2" charset="0"/>
+                <a:cs typeface="Roboto Light" panose="02000000000000000000" pitchFamily="2" charset="0"/>
+              </a:rPr>
+              <a:t>Use Value Objects</a:t>
             </a:r>
           </a:p>
         </p:txBody>
@@ -6552,6 +6575,67 @@
                                           <p:spTgt spid="27">
                                             <p:txEl>
                                               <p:pRg st="1" end="1"/>
+                                            </p:txEl>
+                                          </p:spTgt>
+                                        </p:tgtEl>
+                                      </p:cBhvr>
+                                    </p:animEffect>
+                                  </p:childTnLst>
+                                </p:cTn>
+                              </p:par>
+                            </p:childTnLst>
+                          </p:cTn>
+                        </p:par>
+                      </p:childTnLst>
+                    </p:cTn>
+                  </p:par>
+                  <p:par>
+                    <p:cTn id="13" fill="hold">
+                      <p:stCondLst>
+                        <p:cond delay="indefinite"/>
+                      </p:stCondLst>
+                      <p:childTnLst>
+                        <p:par>
+                          <p:cTn id="14" fill="hold">
+                            <p:stCondLst>
+                              <p:cond delay="0"/>
+                            </p:stCondLst>
+                            <p:childTnLst>
+                              <p:par>
+                                <p:cTn id="15" presetID="10" presetClass="entr" presetSubtype="0" fill="hold" nodeType="clickEffect">
+                                  <p:stCondLst>
+                                    <p:cond delay="0"/>
+                                  </p:stCondLst>
+                                  <p:childTnLst>
+                                    <p:set>
+                                      <p:cBhvr>
+                                        <p:cTn id="16" dur="1" fill="hold">
+                                          <p:stCondLst>
+                                            <p:cond delay="0"/>
+                                          </p:stCondLst>
+                                        </p:cTn>
+                                        <p:tgtEl>
+                                          <p:spTgt spid="27">
+                                            <p:txEl>
+                                              <p:pRg st="2" end="2"/>
+                                            </p:txEl>
+                                          </p:spTgt>
+                                        </p:tgtEl>
+                                        <p:attrNameLst>
+                                          <p:attrName>style.visibility</p:attrName>
+                                        </p:attrNameLst>
+                                      </p:cBhvr>
+                                      <p:to>
+                                        <p:strVal val="visible"/>
+                                      </p:to>
+                                    </p:set>
+                                    <p:animEffect transition="in" filter="fade">
+                                      <p:cBhvr>
+                                        <p:cTn id="17" dur="500"/>
+                                        <p:tgtEl>
+                                          <p:spTgt spid="27">
+                                            <p:txEl>
+                                              <p:pRg st="2" end="2"/>
                                             </p:txEl>
                                           </p:spTgt>
                                         </p:tgtEl>
@@ -10323,7 +10407,7 @@
                   <a:schemeClr val="bg1"/>
                 </a:solidFill>
               </a:rPr>
-              <a:t>Stores Procedures</a:t>
+              <a:t>Stored Procedures</a:t>
             </a:r>
           </a:p>
           <a:p>
@@ -11082,7 +11166,7 @@
         <p:spPr>
           <a:xfrm>
             <a:off x="2688079" y="4965174"/>
-            <a:ext cx="19001486" cy="2123658"/>
+            <a:ext cx="19001486" cy="3139321"/>
           </a:xfrm>
           <a:prstGeom prst="rect">
             <a:avLst/>
@@ -11115,6 +11199,29 @@
                 <a:cs typeface="Roboto Light" panose="02000000000000000000" pitchFamily="2" charset="0"/>
               </a:rPr>
               <a:t>Configurations separate from Domain</a:t>
+            </a:r>
+          </a:p>
+          <a:p>
+            <a:pPr marL="1143000" indent="-1143000">
+              <a:buBlip>
+                <a:blip r:embed="rId2">
+                  <a:extLst>
+                    <a:ext uri="{96DAC541-7B7A-43D3-8B79-37D633B846F1}">
+                      <asvg:svgBlip xmlns:asvg="http://schemas.microsoft.com/office/drawing/2016/SVG/main" r:embed="rId3"/>
+                    </a:ext>
+                  </a:extLst>
+                </a:blip>
+              </a:buBlip>
+            </a:pPr>
+            <a:r>
+              <a:rPr lang="en-US" sz="6600" dirty="0">
+                <a:solidFill>
+                  <a:schemeClr val="tx2"/>
+                </a:solidFill>
+                <a:ea typeface="Roboto Light" panose="02000000000000000000" pitchFamily="2" charset="0"/>
+                <a:cs typeface="Roboto Light" panose="02000000000000000000" pitchFamily="2" charset="0"/>
+              </a:rPr>
+              <a:t>Conventions over Configuration</a:t>
             </a:r>
           </a:p>
           <a:p>
@@ -11369,6 +11476,67 @@
                                           <p:spTgt spid="27">
                                             <p:txEl>
                                               <p:pRg st="1" end="1"/>
+                                            </p:txEl>
+                                          </p:spTgt>
+                                        </p:tgtEl>
+                                      </p:cBhvr>
+                                    </p:animEffect>
+                                  </p:childTnLst>
+                                </p:cTn>
+                              </p:par>
+                            </p:childTnLst>
+                          </p:cTn>
+                        </p:par>
+                      </p:childTnLst>
+                    </p:cTn>
+                  </p:par>
+                  <p:par>
+                    <p:cTn id="13" fill="hold">
+                      <p:stCondLst>
+                        <p:cond delay="indefinite"/>
+                      </p:stCondLst>
+                      <p:childTnLst>
+                        <p:par>
+                          <p:cTn id="14" fill="hold">
+                            <p:stCondLst>
+                              <p:cond delay="0"/>
+                            </p:stCondLst>
+                            <p:childTnLst>
+                              <p:par>
+                                <p:cTn id="15" presetID="10" presetClass="entr" presetSubtype="0" fill="hold" nodeType="clickEffect">
+                                  <p:stCondLst>
+                                    <p:cond delay="0"/>
+                                  </p:stCondLst>
+                                  <p:childTnLst>
+                                    <p:set>
+                                      <p:cBhvr>
+                                        <p:cTn id="16" dur="1" fill="hold">
+                                          <p:stCondLst>
+                                            <p:cond delay="0"/>
+                                          </p:stCondLst>
+                                        </p:cTn>
+                                        <p:tgtEl>
+                                          <p:spTgt spid="27">
+                                            <p:txEl>
+                                              <p:pRg st="2" end="2"/>
+                                            </p:txEl>
+                                          </p:spTgt>
+                                        </p:tgtEl>
+                                        <p:attrNameLst>
+                                          <p:attrName>style.visibility</p:attrName>
+                                        </p:attrNameLst>
+                                      </p:cBhvr>
+                                      <p:to>
+                                        <p:strVal val="visible"/>
+                                      </p:to>
+                                    </p:set>
+                                    <p:animEffect transition="in" filter="fade">
+                                      <p:cBhvr>
+                                        <p:cTn id="17" dur="500"/>
+                                        <p:tgtEl>
+                                          <p:spTgt spid="27">
+                                            <p:txEl>
+                                              <p:pRg st="2" end="2"/>
                                             </p:txEl>
                                           </p:spTgt>
                                         </p:tgtEl>
@@ -23107,6 +23275,92 @@
           </a:p>
         </p:txBody>
       </p:sp>
+      <p:sp>
+        <p:nvSpPr>
+          <p:cNvPr id="2" name="TextBox 1">
+            <a:extLst>
+              <a:ext uri="{FF2B5EF4-FFF2-40B4-BE49-F238E27FC236}">
+                <a16:creationId xmlns:a16="http://schemas.microsoft.com/office/drawing/2014/main" id="{924E13E7-3549-4627-A6E6-B30FAAE743D4}"/>
+              </a:ext>
+            </a:extLst>
+          </p:cNvPr>
+          <p:cNvSpPr txBox="1"/>
+          <p:nvPr/>
+        </p:nvSpPr>
+        <p:spPr>
+          <a:xfrm rot="1529495">
+            <a:off x="4453651" y="9147059"/>
+            <a:ext cx="3805254" cy="769441"/>
+          </a:xfrm>
+          <a:prstGeom prst="rect">
+            <a:avLst/>
+          </a:prstGeom>
+          <a:noFill/>
+        </p:spPr>
+        <p:txBody>
+          <a:bodyPr wrap="square" rtlCol="0">
+            <a:spAutoFit/>
+          </a:bodyPr>
+          <a:lstStyle/>
+          <a:p>
+            <a:r>
+              <a:rPr lang="en-CA" sz="4400" dirty="0">
+                <a:solidFill>
+                  <a:schemeClr val="bg1"/>
+                </a:solidFill>
+              </a:rPr>
+              <a:t>Aggregates</a:t>
+            </a:r>
+          </a:p>
+        </p:txBody>
+      </p:sp>
+      <p:sp>
+        <p:nvSpPr>
+          <p:cNvPr id="4" name="TextBox 3">
+            <a:extLst>
+              <a:ext uri="{FF2B5EF4-FFF2-40B4-BE49-F238E27FC236}">
+                <a16:creationId xmlns:a16="http://schemas.microsoft.com/office/drawing/2014/main" id="{598B549C-55B8-4596-B013-408C51FCC798}"/>
+              </a:ext>
+            </a:extLst>
+          </p:cNvPr>
+          <p:cNvSpPr txBox="1"/>
+          <p:nvPr/>
+        </p:nvSpPr>
+        <p:spPr>
+          <a:xfrm rot="20767624">
+            <a:off x="13008632" y="9030273"/>
+            <a:ext cx="8545369" cy="1754326"/>
+          </a:xfrm>
+          <a:prstGeom prst="rect">
+            <a:avLst/>
+          </a:prstGeom>
+          <a:noFill/>
+        </p:spPr>
+        <p:txBody>
+          <a:bodyPr wrap="square" rtlCol="0">
+            <a:spAutoFit/>
+          </a:bodyPr>
+          <a:lstStyle/>
+          <a:p>
+            <a:r>
+              <a:rPr lang="en-CA" sz="5400" dirty="0" err="1">
+                <a:solidFill>
+                  <a:schemeClr val="bg1"/>
+                </a:solidFill>
+              </a:rPr>
+              <a:t>ValueObjects</a:t>
+            </a:r>
+            <a:r>
+              <a:rPr lang="en-CA" sz="5400" dirty="0">
+                <a:solidFill>
+                  <a:schemeClr val="bg1"/>
+                </a:solidFill>
+              </a:rPr>
+              <a:t> which are not real entities</a:t>
+            </a:r>
+          </a:p>
+        </p:txBody>
+      </p:sp>
       <p:pic>
         <p:nvPicPr>
           <p:cNvPr id="24" name="Picture 23" descr="A brown and white dog lying on the ground&#10;&#10;Description automatically generated">
@@ -23143,92 +23397,6 @@
           </a:prstGeom>
         </p:spPr>
       </p:pic>
-      <p:sp>
-        <p:nvSpPr>
-          <p:cNvPr id="2" name="TextBox 1">
-            <a:extLst>
-              <a:ext uri="{FF2B5EF4-FFF2-40B4-BE49-F238E27FC236}">
-                <a16:creationId xmlns:a16="http://schemas.microsoft.com/office/drawing/2014/main" id="{924E13E7-3549-4627-A6E6-B30FAAE743D4}"/>
-              </a:ext>
-            </a:extLst>
-          </p:cNvPr>
-          <p:cNvSpPr txBox="1"/>
-          <p:nvPr/>
-        </p:nvSpPr>
-        <p:spPr>
-          <a:xfrm rot="1529495">
-            <a:off x="4453651" y="9147059"/>
-            <a:ext cx="3805254" cy="769441"/>
-          </a:xfrm>
-          <a:prstGeom prst="rect">
-            <a:avLst/>
-          </a:prstGeom>
-          <a:noFill/>
-        </p:spPr>
-        <p:txBody>
-          <a:bodyPr wrap="square" rtlCol="0">
-            <a:spAutoFit/>
-          </a:bodyPr>
-          <a:lstStyle/>
-          <a:p>
-            <a:r>
-              <a:rPr lang="en-CA" sz="4400" dirty="0">
-                <a:solidFill>
-                  <a:schemeClr val="bg1"/>
-                </a:solidFill>
-              </a:rPr>
-              <a:t>Aggregates</a:t>
-            </a:r>
-          </a:p>
-        </p:txBody>
-      </p:sp>
-      <p:sp>
-        <p:nvSpPr>
-          <p:cNvPr id="4" name="TextBox 3">
-            <a:extLst>
-              <a:ext uri="{FF2B5EF4-FFF2-40B4-BE49-F238E27FC236}">
-                <a16:creationId xmlns:a16="http://schemas.microsoft.com/office/drawing/2014/main" id="{598B549C-55B8-4596-B013-408C51FCC798}"/>
-              </a:ext>
-            </a:extLst>
-          </p:cNvPr>
-          <p:cNvSpPr txBox="1"/>
-          <p:nvPr/>
-        </p:nvSpPr>
-        <p:spPr>
-          <a:xfrm rot="20767624">
-            <a:off x="13008632" y="9030273"/>
-            <a:ext cx="8545369" cy="1754326"/>
-          </a:xfrm>
-          <a:prstGeom prst="rect">
-            <a:avLst/>
-          </a:prstGeom>
-          <a:noFill/>
-        </p:spPr>
-        <p:txBody>
-          <a:bodyPr wrap="square" rtlCol="0">
-            <a:spAutoFit/>
-          </a:bodyPr>
-          <a:lstStyle/>
-          <a:p>
-            <a:r>
-              <a:rPr lang="en-CA" sz="5400" dirty="0" err="1">
-                <a:solidFill>
-                  <a:schemeClr val="bg1"/>
-                </a:solidFill>
-              </a:rPr>
-              <a:t>ValueObjects</a:t>
-            </a:r>
-            <a:r>
-              <a:rPr lang="en-CA" sz="5400" dirty="0">
-                <a:solidFill>
-                  <a:schemeClr val="bg1"/>
-                </a:solidFill>
-              </a:rPr>
-              <a:t> which are not real entities</a:t>
-            </a:r>
-          </a:p>
-        </p:txBody>
-      </p:sp>
     </p:spTree>
     <p:extLst>
       <p:ext uri="{BB962C8B-B14F-4D97-AF65-F5344CB8AC3E}">
